--- a/slideshow/Teologia Sistematica y Biblica - Myer Pearlman/Clases/8. Jesucristo.pptx
+++ b/slideshow/Teologia Sistematica y Biblica - Myer Pearlman/Clases/8. Jesucristo.pptx
@@ -39,6 +39,14 @@
     <p:sldId id="370" r:id="rId33"/>
     <p:sldId id="371" r:id="rId34"/>
     <p:sldId id="372" r:id="rId35"/>
+    <p:sldId id="373" r:id="rId36"/>
+    <p:sldId id="374" r:id="rId37"/>
+    <p:sldId id="375" r:id="rId38"/>
+    <p:sldId id="376" r:id="rId39"/>
+    <p:sldId id="377" r:id="rId40"/>
+    <p:sldId id="379" r:id="rId41"/>
+    <p:sldId id="380" r:id="rId42"/>
+    <p:sldId id="381" r:id="rId43"/>
   </p:sldIdLst>
   <p:sldSz cx="9144000" cy="5715000" type="screen16x10"/>
   <p:notesSz cx="6858000" cy="9144000"/>
@@ -287,7 +295,7 @@
           <a:p>
             <a:fld id="{50DEE611-8BEF-4990-B4F5-91A0FAC492E5}" type="datetimeFigureOut">
               <a:rPr lang="es-VE" smtClean="0"/>
-              <a:t>26/5/2021</a:t>
+              <a:t>29/5/2021</a:t>
             </a:fld>
             <a:endParaRPr lang="es-VE" dirty="0"/>
           </a:p>
@@ -457,7 +465,7 @@
           <a:p>
             <a:fld id="{50DEE611-8BEF-4990-B4F5-91A0FAC492E5}" type="datetimeFigureOut">
               <a:rPr lang="es-VE" smtClean="0"/>
-              <a:t>26/5/2021</a:t>
+              <a:t>29/5/2021</a:t>
             </a:fld>
             <a:endParaRPr lang="es-VE" dirty="0"/>
           </a:p>
@@ -637,7 +645,7 @@
           <a:p>
             <a:fld id="{50DEE611-8BEF-4990-B4F5-91A0FAC492E5}" type="datetimeFigureOut">
               <a:rPr lang="es-VE" smtClean="0"/>
-              <a:t>26/5/2021</a:t>
+              <a:t>29/5/2021</a:t>
             </a:fld>
             <a:endParaRPr lang="es-VE" dirty="0"/>
           </a:p>
@@ -807,7 +815,7 @@
           <a:p>
             <a:fld id="{50DEE611-8BEF-4990-B4F5-91A0FAC492E5}" type="datetimeFigureOut">
               <a:rPr lang="es-VE" smtClean="0"/>
-              <a:t>26/5/2021</a:t>
+              <a:t>29/5/2021</a:t>
             </a:fld>
             <a:endParaRPr lang="es-VE" dirty="0"/>
           </a:p>
@@ -1053,7 +1061,7 @@
           <a:p>
             <a:fld id="{50DEE611-8BEF-4990-B4F5-91A0FAC492E5}" type="datetimeFigureOut">
               <a:rPr lang="es-VE" smtClean="0"/>
-              <a:t>26/5/2021</a:t>
+              <a:t>29/5/2021</a:t>
             </a:fld>
             <a:endParaRPr lang="es-VE" dirty="0"/>
           </a:p>
@@ -1285,7 +1293,7 @@
           <a:p>
             <a:fld id="{50DEE611-8BEF-4990-B4F5-91A0FAC492E5}" type="datetimeFigureOut">
               <a:rPr lang="es-VE" smtClean="0"/>
-              <a:t>26/5/2021</a:t>
+              <a:t>29/5/2021</a:t>
             </a:fld>
             <a:endParaRPr lang="es-VE" dirty="0"/>
           </a:p>
@@ -1652,7 +1660,7 @@
           <a:p>
             <a:fld id="{50DEE611-8BEF-4990-B4F5-91A0FAC492E5}" type="datetimeFigureOut">
               <a:rPr lang="es-VE" smtClean="0"/>
-              <a:t>26/5/2021</a:t>
+              <a:t>29/5/2021</a:t>
             </a:fld>
             <a:endParaRPr lang="es-VE" dirty="0"/>
           </a:p>
@@ -1770,7 +1778,7 @@
           <a:p>
             <a:fld id="{50DEE611-8BEF-4990-B4F5-91A0FAC492E5}" type="datetimeFigureOut">
               <a:rPr lang="es-VE" smtClean="0"/>
-              <a:t>26/5/2021</a:t>
+              <a:t>29/5/2021</a:t>
             </a:fld>
             <a:endParaRPr lang="es-VE" dirty="0"/>
           </a:p>
@@ -1865,7 +1873,7 @@
           <a:p>
             <a:fld id="{50DEE611-8BEF-4990-B4F5-91A0FAC492E5}" type="datetimeFigureOut">
               <a:rPr lang="es-VE" smtClean="0"/>
-              <a:t>26/5/2021</a:t>
+              <a:t>29/5/2021</a:t>
             </a:fld>
             <a:endParaRPr lang="es-VE" dirty="0"/>
           </a:p>
@@ -2142,7 +2150,7 @@
           <a:p>
             <a:fld id="{50DEE611-8BEF-4990-B4F5-91A0FAC492E5}" type="datetimeFigureOut">
               <a:rPr lang="es-VE" smtClean="0"/>
-              <a:t>26/5/2021</a:t>
+              <a:t>29/5/2021</a:t>
             </a:fld>
             <a:endParaRPr lang="es-VE" dirty="0"/>
           </a:p>
@@ -2399,7 +2407,7 @@
           <a:p>
             <a:fld id="{50DEE611-8BEF-4990-B4F5-91A0FAC492E5}" type="datetimeFigureOut">
               <a:rPr lang="es-VE" smtClean="0"/>
-              <a:t>26/5/2021</a:t>
+              <a:t>29/5/2021</a:t>
             </a:fld>
             <a:endParaRPr lang="es-VE" dirty="0"/>
           </a:p>
@@ -2615,7 +2623,7 @@
           <a:p>
             <a:fld id="{50DEE611-8BEF-4990-B4F5-91A0FAC492E5}" type="datetimeFigureOut">
               <a:rPr lang="es-VE" smtClean="0"/>
-              <a:t>26/5/2021</a:t>
+              <a:t>29/5/2021</a:t>
             </a:fld>
             <a:endParaRPr lang="es-VE" dirty="0"/>
           </a:p>
@@ -11942,42 +11950,15 @@
             </a:pPr>
             <a:r>
               <a:rPr lang="es-VE" sz="2400" dirty="0"/>
-              <a:t>Cristo realizó muchas obras, pero la obra por excelencia que realizó fue el morir por los pecados del mundo </a:t>
-            </a:r>
-            <a:r>
-              <a:rPr lang="es-VE" sz="2400" b="1" dirty="0">
-                <a:solidFill>
-                  <a:srgbClr val="FFC000"/>
-                </a:solidFill>
-              </a:rPr>
-              <a:t>[1]</a:t>
-            </a:r>
-            <a:r>
-              <a:rPr lang="es-VE" sz="2400" dirty="0"/>
-              <a:t>.</a:t>
-            </a:r>
-          </a:p>
-          <a:p>
-            <a:pPr marL="0" indent="0">
-              <a:buNone/>
-            </a:pPr>
-            <a:endParaRPr lang="es-VE" sz="2400" dirty="0"/>
-          </a:p>
-          <a:p>
-            <a:pPr marL="0" indent="0">
-              <a:buNone/>
-            </a:pPr>
-            <a:r>
-              <a:rPr lang="es-VE" sz="2400" dirty="0"/>
-              <a:t>Están incluidas en su obra expiatoria su muerte, resurrección y ascensión. No sólo debe morir por nosotros, sino también debe vivir por nosotros. No sólo debe resucitar de los muertos, para nosotros, sino ascender para interceder por nosotros </a:t>
-            </a:r>
-            <a:r>
-              <a:rPr lang="es-VE" sz="2400" b="1" dirty="0">
-                <a:solidFill>
-                  <a:srgbClr val="FFC000"/>
-                </a:solidFill>
-              </a:rPr>
-              <a:t>[2]</a:t>
+              <a:t>La doctrina central de las Escrituras puede ser sintetizada en las siguientes palabras: </a:t>
+            </a:r>
+            <a:r>
+              <a:rPr lang="es-VE" sz="2400" dirty="0">
+                <a:highlight>
+                  <a:srgbClr val="800000"/>
+                </a:highlight>
+              </a:rPr>
+              <a:t>“Cristo fue muerto por nuestros pecados”</a:t>
             </a:r>
             <a:r>
               <a:rPr lang="es-VE" sz="2400" dirty="0"/>
@@ -12187,9 +12168,12 @@
                   <a:srgbClr val="FFC000"/>
                 </a:solidFill>
               </a:rPr>
-              <a:t>[1] [1] [1] [1] [1] [1]</a:t>
-            </a:r>
-            <a:endParaRPr lang="es-VE" sz="1400" dirty="0"/>
+              <a:t>[1] </a:t>
+            </a:r>
+            <a:r>
+              <a:rPr lang="es-VE" sz="1400" dirty="0"/>
+              <a:t>1Co 15:3</a:t>
+            </a:r>
           </a:p>
         </p:txBody>
       </p:sp>
@@ -12197,6 +12181,1103 @@
     <p:extLst>
       <p:ext uri="{BB962C8B-B14F-4D97-AF65-F5344CB8AC3E}">
         <p14:creationId xmlns:p14="http://schemas.microsoft.com/office/powerpoint/2010/main" val="411497052"/>
+      </p:ext>
+    </p:extLst>
+  </p:cSld>
+  <p:clrMapOvr>
+    <a:masterClrMapping/>
+  </p:clrMapOvr>
+</p:sld>
+</file>
+
+<file path=ppt/slides/slide35.xml><?xml version="1.0" encoding="utf-8"?>
+<p:sld xmlns:a="http://schemas.openxmlformats.org/drawingml/2006/main" xmlns:r="http://schemas.openxmlformats.org/officeDocument/2006/relationships" xmlns:p="http://schemas.openxmlformats.org/presentationml/2006/main">
+  <p:cSld>
+    <p:bg>
+      <p:bgPr>
+        <a:gradFill flip="none" rotWithShape="1">
+          <a:gsLst>
+            <a:gs pos="0">
+              <a:schemeClr val="accent6">
+                <a:lumMod val="89000"/>
+              </a:schemeClr>
+            </a:gs>
+            <a:gs pos="23000">
+              <a:schemeClr val="accent6">
+                <a:lumMod val="89000"/>
+              </a:schemeClr>
+            </a:gs>
+            <a:gs pos="69000">
+              <a:schemeClr val="accent6">
+                <a:lumMod val="75000"/>
+              </a:schemeClr>
+            </a:gs>
+            <a:gs pos="97000">
+              <a:schemeClr val="accent6">
+                <a:lumMod val="70000"/>
+              </a:schemeClr>
+            </a:gs>
+          </a:gsLst>
+          <a:path path="circle">
+            <a:fillToRect l="50000" t="50000" r="50000" b="50000"/>
+          </a:path>
+          <a:tileRect/>
+        </a:gradFill>
+        <a:effectLst/>
+      </p:bgPr>
+    </p:bg>
+    <p:spTree>
+      <p:nvGrpSpPr>
+        <p:cNvPr id="1" name=""/>
+        <p:cNvGrpSpPr/>
+        <p:nvPr/>
+      </p:nvGrpSpPr>
+      <p:grpSpPr>
+        <a:xfrm>
+          <a:off x="0" y="0"/>
+          <a:ext cx="0" cy="0"/>
+          <a:chOff x="0" y="0"/>
+          <a:chExt cx="0" cy="0"/>
+        </a:xfrm>
+      </p:grpSpPr>
+      <p:sp>
+        <p:nvSpPr>
+          <p:cNvPr id="2" name="Título 1">
+            <a:extLst>
+              <a:ext uri="{FF2B5EF4-FFF2-40B4-BE49-F238E27FC236}">
+                <a16:creationId xmlns:a16="http://schemas.microsoft.com/office/drawing/2014/main" id="{C65A0631-47E2-4854-94DA-DD27A379FEF1}"/>
+              </a:ext>
+            </a:extLst>
+          </p:cNvPr>
+          <p:cNvSpPr>
+            <a:spLocks noGrp="1"/>
+          </p:cNvSpPr>
+          <p:nvPr>
+            <p:ph type="title"/>
+          </p:nvPr>
+        </p:nvSpPr>
+        <p:spPr>
+          <a:xfrm>
+            <a:off x="228600" y="309282"/>
+            <a:ext cx="8686800" cy="1582272"/>
+          </a:xfrm>
+        </p:spPr>
+        <p:txBody>
+          <a:bodyPr anchor="ctr">
+            <a:normAutofit fontScale="90000"/>
+          </a:bodyPr>
+          <a:lstStyle/>
+          <a:p>
+            <a:r>
+              <a:rPr lang="es-VE" sz="5400" b="1" dirty="0"/>
+              <a:t>4. LA OBRA DE CRISTO</a:t>
+            </a:r>
+            <a:br>
+              <a:rPr lang="es-VE" sz="5400" b="1" dirty="0"/>
+            </a:br>
+            <a:r>
+              <a:rPr lang="es-VE" b="1" dirty="0"/>
+              <a:t>3.1. La muerte de Cristo</a:t>
+            </a:r>
+            <a:br>
+              <a:rPr lang="es-VE" b="1" dirty="0"/>
+            </a:br>
+            <a:r>
+              <a:rPr lang="es-VE" sz="2700" b="1" dirty="0"/>
+              <a:t>3.1.2. Su significado</a:t>
+            </a:r>
+            <a:endParaRPr lang="es-VE" sz="6600" b="1" dirty="0"/>
+          </a:p>
+        </p:txBody>
+      </p:sp>
+      <p:sp>
+        <p:nvSpPr>
+          <p:cNvPr id="3" name="Marcador de contenido 2">
+            <a:extLst>
+              <a:ext uri="{FF2B5EF4-FFF2-40B4-BE49-F238E27FC236}">
+                <a16:creationId xmlns:a16="http://schemas.microsoft.com/office/drawing/2014/main" id="{AA130F57-7D31-4139-81B2-4D70486C00F2}"/>
+              </a:ext>
+            </a:extLst>
+          </p:cNvPr>
+          <p:cNvSpPr>
+            <a:spLocks noGrp="1"/>
+          </p:cNvSpPr>
+          <p:nvPr>
+            <p:ph idx="1"/>
+          </p:nvPr>
+        </p:nvSpPr>
+        <p:spPr>
+          <a:xfrm>
+            <a:off x="228600" y="1891555"/>
+            <a:ext cx="8686800" cy="3290046"/>
+          </a:xfrm>
+        </p:spPr>
+        <p:txBody>
+          <a:bodyPr anchor="ctr">
+            <a:normAutofit/>
+          </a:bodyPr>
+          <a:lstStyle/>
+          <a:p>
+            <a:pPr marL="0" indent="0">
+              <a:buNone/>
+            </a:pPr>
+            <a:r>
+              <a:rPr lang="es-VE" sz="1900" dirty="0"/>
+              <a:t>La relación verdadera entre el hombre y Dios se destruyo y hay un obstáculo que bloquea u obstaculiza el camino, el cual el hombre no puede hacer a un lado por su propio esfuerzo, </a:t>
+            </a:r>
+            <a:r>
+              <a:rPr lang="es-VE" sz="1900" dirty="0">
+                <a:highlight>
+                  <a:srgbClr val="800000"/>
+                </a:highlight>
+              </a:rPr>
+              <a:t>ese obstáculo es el pecado</a:t>
+            </a:r>
+            <a:r>
+              <a:rPr lang="es-VE" sz="1900" dirty="0"/>
+              <a:t>. El hombre no puede remover ese obstáculo, sólo Dios puede hacerlo. </a:t>
+            </a:r>
+          </a:p>
+          <a:p>
+            <a:pPr marL="0" indent="0">
+              <a:buNone/>
+            </a:pPr>
+            <a:endParaRPr lang="es-VE" sz="1900" dirty="0"/>
+          </a:p>
+          <a:p>
+            <a:pPr marL="0" indent="0">
+              <a:buNone/>
+            </a:pPr>
+            <a:r>
+              <a:rPr lang="es-VE" sz="1900" dirty="0"/>
+              <a:t>Envió a su Hijo del cielo a la tierra para remover ese obstáculo y hacer de esa manera posible la reconciliación del hombre con su Dios. Al morir por nuestros pecados, quitó la barrera </a:t>
+            </a:r>
+            <a:r>
+              <a:rPr lang="es-VE" sz="1900" dirty="0" err="1"/>
+              <a:t>separatoria</a:t>
+            </a:r>
+            <a:r>
+              <a:rPr lang="es-VE" sz="1900" dirty="0"/>
+              <a:t>; soportó sobre si lo que nosotros debíamos de haber soportado; realizó por nosotros lo que nosotros éramos impotentes de hacer por nosotros mismos; esto hizo porque era la voluntad del Padre.</a:t>
+            </a:r>
+          </a:p>
+        </p:txBody>
+      </p:sp>
+    </p:spTree>
+    <p:extLst>
+      <p:ext uri="{BB962C8B-B14F-4D97-AF65-F5344CB8AC3E}">
+        <p14:creationId xmlns:p14="http://schemas.microsoft.com/office/powerpoint/2010/main" val="1544450482"/>
+      </p:ext>
+    </p:extLst>
+  </p:cSld>
+  <p:clrMapOvr>
+    <a:masterClrMapping/>
+  </p:clrMapOvr>
+</p:sld>
+</file>
+
+<file path=ppt/slides/slide36.xml><?xml version="1.0" encoding="utf-8"?>
+<p:sld xmlns:a="http://schemas.openxmlformats.org/drawingml/2006/main" xmlns:r="http://schemas.openxmlformats.org/officeDocument/2006/relationships" xmlns:p="http://schemas.openxmlformats.org/presentationml/2006/main">
+  <p:cSld>
+    <p:bg>
+      <p:bgPr>
+        <a:gradFill flip="none" rotWithShape="1">
+          <a:gsLst>
+            <a:gs pos="0">
+              <a:schemeClr val="accent6">
+                <a:lumMod val="89000"/>
+              </a:schemeClr>
+            </a:gs>
+            <a:gs pos="23000">
+              <a:schemeClr val="accent6">
+                <a:lumMod val="89000"/>
+              </a:schemeClr>
+            </a:gs>
+            <a:gs pos="69000">
+              <a:schemeClr val="accent6">
+                <a:lumMod val="75000"/>
+              </a:schemeClr>
+            </a:gs>
+            <a:gs pos="97000">
+              <a:schemeClr val="accent6">
+                <a:lumMod val="70000"/>
+              </a:schemeClr>
+            </a:gs>
+          </a:gsLst>
+          <a:path path="circle">
+            <a:fillToRect l="50000" t="50000" r="50000" b="50000"/>
+          </a:path>
+          <a:tileRect/>
+        </a:gradFill>
+        <a:effectLst/>
+      </p:bgPr>
+    </p:bg>
+    <p:spTree>
+      <p:nvGrpSpPr>
+        <p:cNvPr id="1" name=""/>
+        <p:cNvGrpSpPr/>
+        <p:nvPr/>
+      </p:nvGrpSpPr>
+      <p:grpSpPr>
+        <a:xfrm>
+          <a:off x="0" y="0"/>
+          <a:ext cx="0" cy="0"/>
+          <a:chOff x="0" y="0"/>
+          <a:chExt cx="0" cy="0"/>
+        </a:xfrm>
+      </p:grpSpPr>
+      <p:sp>
+        <p:nvSpPr>
+          <p:cNvPr id="2" name="Título 1">
+            <a:extLst>
+              <a:ext uri="{FF2B5EF4-FFF2-40B4-BE49-F238E27FC236}">
+                <a16:creationId xmlns:a16="http://schemas.microsoft.com/office/drawing/2014/main" id="{C65A0631-47E2-4854-94DA-DD27A379FEF1}"/>
+              </a:ext>
+            </a:extLst>
+          </p:cNvPr>
+          <p:cNvSpPr>
+            <a:spLocks noGrp="1"/>
+          </p:cNvSpPr>
+          <p:nvPr>
+            <p:ph type="title"/>
+          </p:nvPr>
+        </p:nvSpPr>
+        <p:spPr>
+          <a:xfrm>
+            <a:off x="228600" y="309282"/>
+            <a:ext cx="8686800" cy="1582272"/>
+          </a:xfrm>
+        </p:spPr>
+        <p:txBody>
+          <a:bodyPr anchor="ctr">
+            <a:normAutofit fontScale="90000"/>
+          </a:bodyPr>
+          <a:lstStyle/>
+          <a:p>
+            <a:r>
+              <a:rPr lang="es-VE" sz="5400" b="1" dirty="0"/>
+              <a:t>4. LA OBRA DE CRISTO</a:t>
+            </a:r>
+            <a:br>
+              <a:rPr lang="es-VE" sz="5400" b="1" dirty="0"/>
+            </a:br>
+            <a:r>
+              <a:rPr lang="es-VE" b="1" dirty="0"/>
+              <a:t>3.2. La resurrección de Cristo</a:t>
+            </a:r>
+            <a:br>
+              <a:rPr lang="es-VE" b="1" dirty="0"/>
+            </a:br>
+            <a:r>
+              <a:rPr lang="es-VE" sz="2700" b="1" dirty="0"/>
+              <a:t>3.2.1. El hecho o realidad de la resurrección</a:t>
+            </a:r>
+            <a:endParaRPr lang="es-VE" sz="6600" b="1" dirty="0"/>
+          </a:p>
+        </p:txBody>
+      </p:sp>
+      <p:sp>
+        <p:nvSpPr>
+          <p:cNvPr id="3" name="Marcador de contenido 2">
+            <a:extLst>
+              <a:ext uri="{FF2B5EF4-FFF2-40B4-BE49-F238E27FC236}">
+                <a16:creationId xmlns:a16="http://schemas.microsoft.com/office/drawing/2014/main" id="{AA130F57-7D31-4139-81B2-4D70486C00F2}"/>
+              </a:ext>
+            </a:extLst>
+          </p:cNvPr>
+          <p:cNvSpPr>
+            <a:spLocks noGrp="1"/>
+          </p:cNvSpPr>
+          <p:nvPr>
+            <p:ph idx="1"/>
+          </p:nvPr>
+        </p:nvSpPr>
+        <p:spPr>
+          <a:xfrm>
+            <a:off x="228600" y="1891555"/>
+            <a:ext cx="8686800" cy="3290046"/>
+          </a:xfrm>
+        </p:spPr>
+        <p:txBody>
+          <a:bodyPr anchor="ctr">
+            <a:normAutofit fontScale="92500" lnSpcReduction="10000"/>
+          </a:bodyPr>
+          <a:lstStyle/>
+          <a:p>
+            <a:pPr marL="0" indent="0">
+              <a:buNone/>
+            </a:pPr>
+            <a:r>
+              <a:rPr lang="es-VE" dirty="0"/>
+              <a:t>El nacimiento y ministerio de Jesucristo, culminó con su muerte, sepultura y resurrección. De estos, </a:t>
+            </a:r>
+            <a:r>
+              <a:rPr lang="es-VE" dirty="0">
+                <a:highlight>
+                  <a:srgbClr val="000080"/>
+                </a:highlight>
+              </a:rPr>
+              <a:t>la resurrección es la corona</a:t>
+            </a:r>
+            <a:r>
+              <a:rPr lang="es-VE" dirty="0"/>
+              <a:t>.</a:t>
+            </a:r>
+          </a:p>
+          <a:p>
+            <a:pPr marL="0" indent="0">
+              <a:buNone/>
+            </a:pPr>
+            <a:endParaRPr lang="es-VE" dirty="0">
+              <a:highlight>
+                <a:srgbClr val="800000"/>
+              </a:highlight>
+            </a:endParaRPr>
+          </a:p>
+          <a:p>
+            <a:pPr marL="0" indent="0">
+              <a:buNone/>
+            </a:pPr>
+            <a:r>
+              <a:rPr lang="es-VE" dirty="0">
+                <a:highlight>
+                  <a:srgbClr val="800000"/>
+                </a:highlight>
+              </a:rPr>
+              <a:t>Puesto que si Cristo no resucitó</a:t>
+            </a:r>
+            <a:r>
+              <a:rPr lang="es-VE" dirty="0"/>
+              <a:t>, luego no es lo que afirmaba ser; su muerte no fue entonces una muerte expiatoria; luego los cristianos han sido engañados por siglos; los predicadores han estado declarando errores; los fieles han sido engañados por la falsa esperanza de la salvación.</a:t>
+            </a:r>
+          </a:p>
+          <a:p>
+            <a:pPr marL="0" indent="0">
+              <a:buNone/>
+            </a:pPr>
+            <a:endParaRPr lang="es-VE" dirty="0"/>
+          </a:p>
+          <a:p>
+            <a:pPr marL="0" indent="0">
+              <a:buNone/>
+            </a:pPr>
+            <a:r>
+              <a:rPr lang="es-VE" dirty="0"/>
+              <a:t>Pero, gracias a Dios, en vez del signo de interrogación, podemos colocar el de admiración en esta doctrina: </a:t>
+            </a:r>
+            <a:r>
+              <a:rPr lang="es-VE" dirty="0">
+                <a:highlight>
+                  <a:srgbClr val="008000"/>
+                </a:highlight>
+              </a:rPr>
+              <a:t>“¡Pero ahora Cristo ha resucitado de los muertos; primicias de los que durmieron es hecho!”</a:t>
+            </a:r>
+            <a:endParaRPr lang="es-VE" sz="1900" dirty="0">
+              <a:highlight>
+                <a:srgbClr val="008000"/>
+              </a:highlight>
+            </a:endParaRPr>
+          </a:p>
+        </p:txBody>
+      </p:sp>
+    </p:spTree>
+    <p:extLst>
+      <p:ext uri="{BB962C8B-B14F-4D97-AF65-F5344CB8AC3E}">
+        <p14:creationId xmlns:p14="http://schemas.microsoft.com/office/powerpoint/2010/main" val="4167042821"/>
+      </p:ext>
+    </p:extLst>
+  </p:cSld>
+  <p:clrMapOvr>
+    <a:masterClrMapping/>
+  </p:clrMapOvr>
+</p:sld>
+</file>
+
+<file path=ppt/slides/slide37.xml><?xml version="1.0" encoding="utf-8"?>
+<p:sld xmlns:a="http://schemas.openxmlformats.org/drawingml/2006/main" xmlns:r="http://schemas.openxmlformats.org/officeDocument/2006/relationships" xmlns:p="http://schemas.openxmlformats.org/presentationml/2006/main">
+  <p:cSld>
+    <p:bg>
+      <p:bgPr>
+        <a:gradFill flip="none" rotWithShape="1">
+          <a:gsLst>
+            <a:gs pos="0">
+              <a:schemeClr val="accent6">
+                <a:lumMod val="89000"/>
+              </a:schemeClr>
+            </a:gs>
+            <a:gs pos="23000">
+              <a:schemeClr val="accent6">
+                <a:lumMod val="89000"/>
+              </a:schemeClr>
+            </a:gs>
+            <a:gs pos="69000">
+              <a:schemeClr val="accent6">
+                <a:lumMod val="75000"/>
+              </a:schemeClr>
+            </a:gs>
+            <a:gs pos="97000">
+              <a:schemeClr val="accent6">
+                <a:lumMod val="70000"/>
+              </a:schemeClr>
+            </a:gs>
+          </a:gsLst>
+          <a:path path="circle">
+            <a:fillToRect l="50000" t="50000" r="50000" b="50000"/>
+          </a:path>
+          <a:tileRect/>
+        </a:gradFill>
+        <a:effectLst/>
+      </p:bgPr>
+    </p:bg>
+    <p:spTree>
+      <p:nvGrpSpPr>
+        <p:cNvPr id="1" name=""/>
+        <p:cNvGrpSpPr/>
+        <p:nvPr/>
+      </p:nvGrpSpPr>
+      <p:grpSpPr>
+        <a:xfrm>
+          <a:off x="0" y="0"/>
+          <a:ext cx="0" cy="0"/>
+          <a:chOff x="0" y="0"/>
+          <a:chExt cx="0" cy="0"/>
+        </a:xfrm>
+      </p:grpSpPr>
+      <p:sp>
+        <p:nvSpPr>
+          <p:cNvPr id="2" name="Título 1">
+            <a:extLst>
+              <a:ext uri="{FF2B5EF4-FFF2-40B4-BE49-F238E27FC236}">
+                <a16:creationId xmlns:a16="http://schemas.microsoft.com/office/drawing/2014/main" id="{C65A0631-47E2-4854-94DA-DD27A379FEF1}"/>
+              </a:ext>
+            </a:extLst>
+          </p:cNvPr>
+          <p:cNvSpPr>
+            <a:spLocks noGrp="1"/>
+          </p:cNvSpPr>
+          <p:nvPr>
+            <p:ph type="title"/>
+          </p:nvPr>
+        </p:nvSpPr>
+        <p:spPr>
+          <a:xfrm>
+            <a:off x="228600" y="309282"/>
+            <a:ext cx="8686800" cy="1582272"/>
+          </a:xfrm>
+        </p:spPr>
+        <p:txBody>
+          <a:bodyPr anchor="ctr">
+            <a:normAutofit fontScale="90000"/>
+          </a:bodyPr>
+          <a:lstStyle/>
+          <a:p>
+            <a:r>
+              <a:rPr lang="es-VE" sz="5400" b="1" dirty="0"/>
+              <a:t>4. LA OBRA DE CRISTO</a:t>
+            </a:r>
+            <a:br>
+              <a:rPr lang="es-VE" sz="5400" b="1" dirty="0"/>
+            </a:br>
+            <a:r>
+              <a:rPr lang="es-VE" b="1" dirty="0"/>
+              <a:t>3.2. La resurrección de Cristo</a:t>
+            </a:r>
+            <a:br>
+              <a:rPr lang="es-VE" b="1" dirty="0"/>
+            </a:br>
+            <a:r>
+              <a:rPr lang="es-VE" sz="2700" b="1" dirty="0"/>
+              <a:t>3.2.2. El significado de la resurrección</a:t>
+            </a:r>
+            <a:endParaRPr lang="es-VE" sz="6600" b="1" dirty="0"/>
+          </a:p>
+        </p:txBody>
+      </p:sp>
+      <p:sp>
+        <p:nvSpPr>
+          <p:cNvPr id="3" name="Marcador de contenido 2">
+            <a:extLst>
+              <a:ext uri="{FF2B5EF4-FFF2-40B4-BE49-F238E27FC236}">
+                <a16:creationId xmlns:a16="http://schemas.microsoft.com/office/drawing/2014/main" id="{AA130F57-7D31-4139-81B2-4D70486C00F2}"/>
+              </a:ext>
+            </a:extLst>
+          </p:cNvPr>
+          <p:cNvSpPr>
+            <a:spLocks noGrp="1"/>
+          </p:cNvSpPr>
+          <p:nvPr>
+            <p:ph idx="1"/>
+          </p:nvPr>
+        </p:nvSpPr>
+        <p:spPr>
+          <a:xfrm>
+            <a:off x="228600" y="1891555"/>
+            <a:ext cx="8686800" cy="3290046"/>
+          </a:xfrm>
+        </p:spPr>
+        <p:txBody>
+          <a:bodyPr anchor="ctr">
+            <a:normAutofit/>
+          </a:bodyPr>
+          <a:lstStyle/>
+          <a:p>
+            <a:pPr marL="0" indent="0">
+              <a:buNone/>
+            </a:pPr>
+            <a:r>
+              <a:rPr lang="es-VE" sz="3600" dirty="0"/>
+              <a:t>Significa que Jesús es todo lo que afirmó ser, Hijo de Dios, Salvador, Señor. </a:t>
+            </a:r>
+            <a:r>
+              <a:rPr lang="es-VE" sz="3600" b="1" dirty="0">
+                <a:solidFill>
+                  <a:srgbClr val="FFC000"/>
+                </a:solidFill>
+              </a:rPr>
+              <a:t>[1]</a:t>
+            </a:r>
+            <a:endParaRPr lang="es-VE" sz="3600" dirty="0">
+              <a:highlight>
+                <a:srgbClr val="008000"/>
+              </a:highlight>
+            </a:endParaRPr>
+          </a:p>
+        </p:txBody>
+      </p:sp>
+      <p:sp>
+        <p:nvSpPr>
+          <p:cNvPr id="4" name="Marcador de contenido 2">
+            <a:extLst>
+              <a:ext uri="{FF2B5EF4-FFF2-40B4-BE49-F238E27FC236}">
+                <a16:creationId xmlns:a16="http://schemas.microsoft.com/office/drawing/2014/main" id="{6D9F6753-3BF1-45AB-81F6-2E8A2CA504FA}"/>
+              </a:ext>
+            </a:extLst>
+          </p:cNvPr>
+          <p:cNvSpPr txBox="1">
+            <a:spLocks/>
+          </p:cNvSpPr>
+          <p:nvPr/>
+        </p:nvSpPr>
+        <p:spPr>
+          <a:xfrm>
+            <a:off x="228600" y="5181601"/>
+            <a:ext cx="8686800" cy="486210"/>
+          </a:xfrm>
+          <a:prstGeom prst="rect">
+            <a:avLst/>
+          </a:prstGeom>
+        </p:spPr>
+        <p:txBody>
+          <a:bodyPr vert="horz" lIns="91440" tIns="45720" rIns="91440" bIns="45720" rtlCol="0" anchor="ctr">
+            <a:noAutofit/>
+          </a:bodyPr>
+          <a:lstStyle>
+            <a:lvl1pPr marL="171446" indent="-171446" algn="l" defTabSz="685783" rtl="0" eaLnBrk="1" latinLnBrk="0" hangingPunct="1">
+              <a:lnSpc>
+                <a:spcPct val="90000"/>
+              </a:lnSpc>
+              <a:spcBef>
+                <a:spcPts val="751"/>
+              </a:spcBef>
+              <a:buFont typeface="Arial" panose="020B0604020202020204" pitchFamily="34" charset="0"/>
+              <a:buChar char="•"/>
+              <a:defRPr sz="2100" kern="1200">
+                <a:solidFill>
+                  <a:schemeClr val="tx1"/>
+                </a:solidFill>
+                <a:latin typeface="+mn-lt"/>
+                <a:ea typeface="+mn-ea"/>
+                <a:cs typeface="+mn-cs"/>
+              </a:defRPr>
+            </a:lvl1pPr>
+            <a:lvl2pPr marL="514338" indent="-171446" algn="l" defTabSz="685783" rtl="0" eaLnBrk="1" latinLnBrk="0" hangingPunct="1">
+              <a:lnSpc>
+                <a:spcPct val="90000"/>
+              </a:lnSpc>
+              <a:spcBef>
+                <a:spcPts val="375"/>
+              </a:spcBef>
+              <a:buFont typeface="Arial" panose="020B0604020202020204" pitchFamily="34" charset="0"/>
+              <a:buChar char="•"/>
+              <a:defRPr sz="1800" kern="1200">
+                <a:solidFill>
+                  <a:schemeClr val="tx1"/>
+                </a:solidFill>
+                <a:latin typeface="+mn-lt"/>
+                <a:ea typeface="+mn-ea"/>
+                <a:cs typeface="+mn-cs"/>
+              </a:defRPr>
+            </a:lvl2pPr>
+            <a:lvl3pPr marL="857229" indent="-171446" algn="l" defTabSz="685783" rtl="0" eaLnBrk="1" latinLnBrk="0" hangingPunct="1">
+              <a:lnSpc>
+                <a:spcPct val="90000"/>
+              </a:lnSpc>
+              <a:spcBef>
+                <a:spcPts val="375"/>
+              </a:spcBef>
+              <a:buFont typeface="Arial" panose="020B0604020202020204" pitchFamily="34" charset="0"/>
+              <a:buChar char="•"/>
+              <a:defRPr sz="1500" kern="1200">
+                <a:solidFill>
+                  <a:schemeClr val="tx1"/>
+                </a:solidFill>
+                <a:latin typeface="+mn-lt"/>
+                <a:ea typeface="+mn-ea"/>
+                <a:cs typeface="+mn-cs"/>
+              </a:defRPr>
+            </a:lvl3pPr>
+            <a:lvl4pPr marL="1200121" indent="-171446" algn="l" defTabSz="685783" rtl="0" eaLnBrk="1" latinLnBrk="0" hangingPunct="1">
+              <a:lnSpc>
+                <a:spcPct val="90000"/>
+              </a:lnSpc>
+              <a:spcBef>
+                <a:spcPts val="375"/>
+              </a:spcBef>
+              <a:buFont typeface="Arial" panose="020B0604020202020204" pitchFamily="34" charset="0"/>
+              <a:buChar char="•"/>
+              <a:defRPr sz="1351" kern="1200">
+                <a:solidFill>
+                  <a:schemeClr val="tx1"/>
+                </a:solidFill>
+                <a:latin typeface="+mn-lt"/>
+                <a:ea typeface="+mn-ea"/>
+                <a:cs typeface="+mn-cs"/>
+              </a:defRPr>
+            </a:lvl4pPr>
+            <a:lvl5pPr marL="1543012" indent="-171446" algn="l" defTabSz="685783" rtl="0" eaLnBrk="1" latinLnBrk="0" hangingPunct="1">
+              <a:lnSpc>
+                <a:spcPct val="90000"/>
+              </a:lnSpc>
+              <a:spcBef>
+                <a:spcPts val="375"/>
+              </a:spcBef>
+              <a:buFont typeface="Arial" panose="020B0604020202020204" pitchFamily="34" charset="0"/>
+              <a:buChar char="•"/>
+              <a:defRPr sz="1351" kern="1200">
+                <a:solidFill>
+                  <a:schemeClr val="tx1"/>
+                </a:solidFill>
+                <a:latin typeface="+mn-lt"/>
+                <a:ea typeface="+mn-ea"/>
+                <a:cs typeface="+mn-cs"/>
+              </a:defRPr>
+            </a:lvl5pPr>
+            <a:lvl6pPr marL="1885904" indent="-171446" algn="l" defTabSz="685783" rtl="0" eaLnBrk="1" latinLnBrk="0" hangingPunct="1">
+              <a:lnSpc>
+                <a:spcPct val="90000"/>
+              </a:lnSpc>
+              <a:spcBef>
+                <a:spcPts val="375"/>
+              </a:spcBef>
+              <a:buFont typeface="Arial" panose="020B0604020202020204" pitchFamily="34" charset="0"/>
+              <a:buChar char="•"/>
+              <a:defRPr sz="1351" kern="1200">
+                <a:solidFill>
+                  <a:schemeClr val="tx1"/>
+                </a:solidFill>
+                <a:latin typeface="+mn-lt"/>
+                <a:ea typeface="+mn-ea"/>
+                <a:cs typeface="+mn-cs"/>
+              </a:defRPr>
+            </a:lvl6pPr>
+            <a:lvl7pPr marL="2228795" indent="-171446" algn="l" defTabSz="685783" rtl="0" eaLnBrk="1" latinLnBrk="0" hangingPunct="1">
+              <a:lnSpc>
+                <a:spcPct val="90000"/>
+              </a:lnSpc>
+              <a:spcBef>
+                <a:spcPts val="375"/>
+              </a:spcBef>
+              <a:buFont typeface="Arial" panose="020B0604020202020204" pitchFamily="34" charset="0"/>
+              <a:buChar char="•"/>
+              <a:defRPr sz="1351" kern="1200">
+                <a:solidFill>
+                  <a:schemeClr val="tx1"/>
+                </a:solidFill>
+                <a:latin typeface="+mn-lt"/>
+                <a:ea typeface="+mn-ea"/>
+                <a:cs typeface="+mn-cs"/>
+              </a:defRPr>
+            </a:lvl7pPr>
+            <a:lvl8pPr marL="2571686" indent="-171446" algn="l" defTabSz="685783" rtl="0" eaLnBrk="1" latinLnBrk="0" hangingPunct="1">
+              <a:lnSpc>
+                <a:spcPct val="90000"/>
+              </a:lnSpc>
+              <a:spcBef>
+                <a:spcPts val="375"/>
+              </a:spcBef>
+              <a:buFont typeface="Arial" panose="020B0604020202020204" pitchFamily="34" charset="0"/>
+              <a:buChar char="•"/>
+              <a:defRPr sz="1351" kern="1200">
+                <a:solidFill>
+                  <a:schemeClr val="tx1"/>
+                </a:solidFill>
+                <a:latin typeface="+mn-lt"/>
+                <a:ea typeface="+mn-ea"/>
+                <a:cs typeface="+mn-cs"/>
+              </a:defRPr>
+            </a:lvl8pPr>
+            <a:lvl9pPr marL="2914578" indent="-171446" algn="l" defTabSz="685783" rtl="0" eaLnBrk="1" latinLnBrk="0" hangingPunct="1">
+              <a:lnSpc>
+                <a:spcPct val="90000"/>
+              </a:lnSpc>
+              <a:spcBef>
+                <a:spcPts val="375"/>
+              </a:spcBef>
+              <a:buFont typeface="Arial" panose="020B0604020202020204" pitchFamily="34" charset="0"/>
+              <a:buChar char="•"/>
+              <a:defRPr sz="1351" kern="1200">
+                <a:solidFill>
+                  <a:schemeClr val="tx1"/>
+                </a:solidFill>
+                <a:latin typeface="+mn-lt"/>
+                <a:ea typeface="+mn-ea"/>
+                <a:cs typeface="+mn-cs"/>
+              </a:defRPr>
+            </a:lvl9pPr>
+          </a:lstStyle>
+          <a:p>
+            <a:pPr marL="0" indent="0" algn="r">
+              <a:buNone/>
+            </a:pPr>
+            <a:r>
+              <a:rPr lang="es-VE" sz="1400" b="1" dirty="0">
+                <a:solidFill>
+                  <a:srgbClr val="FFC000"/>
+                </a:solidFill>
+              </a:rPr>
+              <a:t>[1] </a:t>
+            </a:r>
+            <a:r>
+              <a:rPr lang="es-VE" sz="1400" dirty="0" err="1"/>
+              <a:t>Rom</a:t>
+            </a:r>
+            <a:r>
+              <a:rPr lang="es-VE" sz="1400" dirty="0"/>
+              <a:t> 1:4</a:t>
+            </a:r>
+          </a:p>
+        </p:txBody>
+      </p:sp>
+    </p:spTree>
+    <p:extLst>
+      <p:ext uri="{BB962C8B-B14F-4D97-AF65-F5344CB8AC3E}">
+        <p14:creationId xmlns:p14="http://schemas.microsoft.com/office/powerpoint/2010/main" val="2905027062"/>
+      </p:ext>
+    </p:extLst>
+  </p:cSld>
+  <p:clrMapOvr>
+    <a:masterClrMapping/>
+  </p:clrMapOvr>
+</p:sld>
+</file>
+
+<file path=ppt/slides/slide38.xml><?xml version="1.0" encoding="utf-8"?>
+<p:sld xmlns:a="http://schemas.openxmlformats.org/drawingml/2006/main" xmlns:r="http://schemas.openxmlformats.org/officeDocument/2006/relationships" xmlns:p="http://schemas.openxmlformats.org/presentationml/2006/main">
+  <p:cSld>
+    <p:bg>
+      <p:bgPr>
+        <a:gradFill flip="none" rotWithShape="1">
+          <a:gsLst>
+            <a:gs pos="0">
+              <a:schemeClr val="accent6">
+                <a:lumMod val="89000"/>
+              </a:schemeClr>
+            </a:gs>
+            <a:gs pos="23000">
+              <a:schemeClr val="accent6">
+                <a:lumMod val="89000"/>
+              </a:schemeClr>
+            </a:gs>
+            <a:gs pos="69000">
+              <a:schemeClr val="accent6">
+                <a:lumMod val="75000"/>
+              </a:schemeClr>
+            </a:gs>
+            <a:gs pos="97000">
+              <a:schemeClr val="accent6">
+                <a:lumMod val="70000"/>
+              </a:schemeClr>
+            </a:gs>
+          </a:gsLst>
+          <a:path path="circle">
+            <a:fillToRect l="50000" t="50000" r="50000" b="50000"/>
+          </a:path>
+          <a:tileRect/>
+        </a:gradFill>
+        <a:effectLst/>
+      </p:bgPr>
+    </p:bg>
+    <p:spTree>
+      <p:nvGrpSpPr>
+        <p:cNvPr id="1" name=""/>
+        <p:cNvGrpSpPr/>
+        <p:nvPr/>
+      </p:nvGrpSpPr>
+      <p:grpSpPr>
+        <a:xfrm>
+          <a:off x="0" y="0"/>
+          <a:ext cx="0" cy="0"/>
+          <a:chOff x="0" y="0"/>
+          <a:chExt cx="0" cy="0"/>
+        </a:xfrm>
+      </p:grpSpPr>
+      <p:sp>
+        <p:nvSpPr>
+          <p:cNvPr id="2" name="Título 1">
+            <a:extLst>
+              <a:ext uri="{FF2B5EF4-FFF2-40B4-BE49-F238E27FC236}">
+                <a16:creationId xmlns:a16="http://schemas.microsoft.com/office/drawing/2014/main" id="{C65A0631-47E2-4854-94DA-DD27A379FEF1}"/>
+              </a:ext>
+            </a:extLst>
+          </p:cNvPr>
+          <p:cNvSpPr>
+            <a:spLocks noGrp="1"/>
+          </p:cNvSpPr>
+          <p:nvPr>
+            <p:ph type="title"/>
+          </p:nvPr>
+        </p:nvSpPr>
+        <p:spPr>
+          <a:xfrm>
+            <a:off x="228600" y="309282"/>
+            <a:ext cx="8686800" cy="1582272"/>
+          </a:xfrm>
+        </p:spPr>
+        <p:txBody>
+          <a:bodyPr anchor="ctr">
+            <a:normAutofit/>
+          </a:bodyPr>
+          <a:lstStyle/>
+          <a:p>
+            <a:r>
+              <a:rPr lang="es-VE" sz="5400" b="1" dirty="0"/>
+              <a:t>4. LA OBRA DE CRISTO</a:t>
+            </a:r>
+            <a:br>
+              <a:rPr lang="es-VE" sz="5400" b="1" dirty="0"/>
+            </a:br>
+            <a:r>
+              <a:rPr lang="es-VE" b="1" dirty="0"/>
+              <a:t>3.3. La ascensión de Cristo</a:t>
+            </a:r>
+            <a:endParaRPr lang="es-VE" sz="6600" b="1" dirty="0"/>
+          </a:p>
+        </p:txBody>
+      </p:sp>
+      <p:sp>
+        <p:nvSpPr>
+          <p:cNvPr id="3" name="Marcador de contenido 2">
+            <a:extLst>
+              <a:ext uri="{FF2B5EF4-FFF2-40B4-BE49-F238E27FC236}">
+                <a16:creationId xmlns:a16="http://schemas.microsoft.com/office/drawing/2014/main" id="{AA130F57-7D31-4139-81B2-4D70486C00F2}"/>
+              </a:ext>
+            </a:extLst>
+          </p:cNvPr>
+          <p:cNvSpPr>
+            <a:spLocks noGrp="1"/>
+          </p:cNvSpPr>
+          <p:nvPr>
+            <p:ph idx="1"/>
+          </p:nvPr>
+        </p:nvSpPr>
+        <p:spPr>
+          <a:xfrm>
+            <a:off x="228600" y="1891555"/>
+            <a:ext cx="8686800" cy="3290046"/>
+          </a:xfrm>
+        </p:spPr>
+        <p:txBody>
+          <a:bodyPr anchor="ctr">
+            <a:normAutofit lnSpcReduction="10000"/>
+          </a:bodyPr>
+          <a:lstStyle/>
+          <a:p>
+            <a:pPr marL="0" indent="0">
+              <a:buNone/>
+            </a:pPr>
+            <a:r>
+              <a:rPr lang="es-VE" sz="2800" dirty="0"/>
+              <a:t>El Señor Jesucristo abandonó este mundo porque le había llegado el momento de retornar a su Padre.</a:t>
+            </a:r>
+          </a:p>
+          <a:p>
+            <a:pPr marL="0" indent="0">
+              <a:buNone/>
+            </a:pPr>
+            <a:endParaRPr lang="es-VE" sz="2800" dirty="0"/>
+          </a:p>
+          <a:p>
+            <a:pPr marL="0" indent="0">
+              <a:buNone/>
+            </a:pPr>
+            <a:r>
+              <a:rPr lang="es-VE" sz="2800" dirty="0"/>
+              <a:t>Su partida fue un ascenso, así como su entrada en el mundo había sido un descenso. El que había descendido, ahora ascendió adonde estaba antes. Y de la misma manera que su entrada en el mundo era sobrenatural, así también fue su partida.</a:t>
+            </a:r>
+            <a:endParaRPr lang="es-VE" sz="2800" dirty="0">
+              <a:highlight>
+                <a:srgbClr val="008000"/>
+              </a:highlight>
+            </a:endParaRPr>
+          </a:p>
+        </p:txBody>
+      </p:sp>
+    </p:spTree>
+    <p:extLst>
+      <p:ext uri="{BB962C8B-B14F-4D97-AF65-F5344CB8AC3E}">
+        <p14:creationId xmlns:p14="http://schemas.microsoft.com/office/powerpoint/2010/main" val="3734050605"/>
+      </p:ext>
+    </p:extLst>
+  </p:cSld>
+  <p:clrMapOvr>
+    <a:masterClrMapping/>
+  </p:clrMapOvr>
+</p:sld>
+</file>
+
+<file path=ppt/slides/slide39.xml><?xml version="1.0" encoding="utf-8"?>
+<p:sld xmlns:a="http://schemas.openxmlformats.org/drawingml/2006/main" xmlns:r="http://schemas.openxmlformats.org/officeDocument/2006/relationships" xmlns:p="http://schemas.openxmlformats.org/presentationml/2006/main">
+  <p:cSld>
+    <p:bg>
+      <p:bgPr>
+        <a:gradFill flip="none" rotWithShape="1">
+          <a:gsLst>
+            <a:gs pos="0">
+              <a:schemeClr val="accent6">
+                <a:lumMod val="89000"/>
+              </a:schemeClr>
+            </a:gs>
+            <a:gs pos="23000">
+              <a:schemeClr val="accent6">
+                <a:lumMod val="89000"/>
+              </a:schemeClr>
+            </a:gs>
+            <a:gs pos="69000">
+              <a:schemeClr val="accent6">
+                <a:lumMod val="75000"/>
+              </a:schemeClr>
+            </a:gs>
+            <a:gs pos="97000">
+              <a:schemeClr val="accent6">
+                <a:lumMod val="70000"/>
+              </a:schemeClr>
+            </a:gs>
+          </a:gsLst>
+          <a:path path="circle">
+            <a:fillToRect l="50000" t="50000" r="50000" b="50000"/>
+          </a:path>
+          <a:tileRect/>
+        </a:gradFill>
+        <a:effectLst/>
+      </p:bgPr>
+    </p:bg>
+    <p:spTree>
+      <p:nvGrpSpPr>
+        <p:cNvPr id="1" name=""/>
+        <p:cNvGrpSpPr/>
+        <p:nvPr/>
+      </p:nvGrpSpPr>
+      <p:grpSpPr>
+        <a:xfrm>
+          <a:off x="0" y="0"/>
+          <a:ext cx="0" cy="0"/>
+          <a:chOff x="0" y="0"/>
+          <a:chExt cx="0" cy="0"/>
+        </a:xfrm>
+      </p:grpSpPr>
+      <p:sp>
+        <p:nvSpPr>
+          <p:cNvPr id="2" name="Título 1">
+            <a:extLst>
+              <a:ext uri="{FF2B5EF4-FFF2-40B4-BE49-F238E27FC236}">
+                <a16:creationId xmlns:a16="http://schemas.microsoft.com/office/drawing/2014/main" id="{C65A0631-47E2-4854-94DA-DD27A379FEF1}"/>
+              </a:ext>
+            </a:extLst>
+          </p:cNvPr>
+          <p:cNvSpPr>
+            <a:spLocks noGrp="1"/>
+          </p:cNvSpPr>
+          <p:nvPr>
+            <p:ph type="title"/>
+          </p:nvPr>
+        </p:nvSpPr>
+        <p:spPr>
+          <a:xfrm>
+            <a:off x="228600" y="309282"/>
+            <a:ext cx="8686800" cy="1582272"/>
+          </a:xfrm>
+        </p:spPr>
+        <p:txBody>
+          <a:bodyPr anchor="ctr">
+            <a:normAutofit fontScale="90000"/>
+          </a:bodyPr>
+          <a:lstStyle/>
+          <a:p>
+            <a:r>
+              <a:rPr lang="es-VE" sz="5400" b="1" dirty="0"/>
+              <a:t>4. LA OBRA DE CRISTO</a:t>
+            </a:r>
+            <a:br>
+              <a:rPr lang="es-VE" sz="5400" b="1" dirty="0"/>
+            </a:br>
+            <a:r>
+              <a:rPr lang="es-VE" b="1" dirty="0"/>
+              <a:t>3.3. La ascensión de Cristo</a:t>
+            </a:r>
+            <a:br>
+              <a:rPr lang="es-VE" b="1" dirty="0"/>
+            </a:br>
+            <a:r>
+              <a:rPr lang="es-VE" sz="2700" b="1" dirty="0"/>
+              <a:t>3.3.1. El Cristo celestial</a:t>
+            </a:r>
+            <a:endParaRPr lang="es-VE" sz="6600" b="1" dirty="0"/>
+          </a:p>
+        </p:txBody>
+      </p:sp>
+      <p:sp>
+        <p:nvSpPr>
+          <p:cNvPr id="3" name="Marcador de contenido 2">
+            <a:extLst>
+              <a:ext uri="{FF2B5EF4-FFF2-40B4-BE49-F238E27FC236}">
+                <a16:creationId xmlns:a16="http://schemas.microsoft.com/office/drawing/2014/main" id="{AA130F57-7D31-4139-81B2-4D70486C00F2}"/>
+              </a:ext>
+            </a:extLst>
+          </p:cNvPr>
+          <p:cNvSpPr>
+            <a:spLocks noGrp="1"/>
+          </p:cNvSpPr>
+          <p:nvPr>
+            <p:ph idx="1"/>
+          </p:nvPr>
+        </p:nvSpPr>
+        <p:spPr>
+          <a:xfrm>
+            <a:off x="228600" y="1891555"/>
+            <a:ext cx="8686800" cy="3290046"/>
+          </a:xfrm>
+        </p:spPr>
+        <p:txBody>
+          <a:bodyPr anchor="ctr">
+            <a:normAutofit/>
+          </a:bodyPr>
+          <a:lstStyle/>
+          <a:p>
+            <a:pPr marL="0" indent="0">
+              <a:buNone/>
+            </a:pPr>
+            <a:r>
+              <a:rPr lang="es-VE" sz="3600" dirty="0"/>
+              <a:t>Los discípulos no deben considerar a Jesús como el Cristo según la carne, es decir, que vive una vida terrenal, sino como el Cristo glorificado que vive una vida celestial en la presencia de Dios, y estableciendo contacto con ellos por medio del Espíritu Santo.</a:t>
+            </a:r>
+          </a:p>
+        </p:txBody>
+      </p:sp>
+    </p:spTree>
+    <p:extLst>
+      <p:ext uri="{BB962C8B-B14F-4D97-AF65-F5344CB8AC3E}">
+        <p14:creationId xmlns:p14="http://schemas.microsoft.com/office/powerpoint/2010/main" val="251344492"/>
       </p:ext>
     </p:extLst>
   </p:cSld>
@@ -12694,6 +13775,1195 @@
     <p:extLst>
       <p:ext uri="{BB962C8B-B14F-4D97-AF65-F5344CB8AC3E}">
         <p14:creationId xmlns:p14="http://schemas.microsoft.com/office/powerpoint/2010/main" val="2051587679"/>
+      </p:ext>
+    </p:extLst>
+  </p:cSld>
+  <p:clrMapOvr>
+    <a:masterClrMapping/>
+  </p:clrMapOvr>
+</p:sld>
+</file>
+
+<file path=ppt/slides/slide40.xml><?xml version="1.0" encoding="utf-8"?>
+<p:sld xmlns:a="http://schemas.openxmlformats.org/drawingml/2006/main" xmlns:r="http://schemas.openxmlformats.org/officeDocument/2006/relationships" xmlns:p="http://schemas.openxmlformats.org/presentationml/2006/main">
+  <p:cSld>
+    <p:bg>
+      <p:bgPr>
+        <a:gradFill flip="none" rotWithShape="1">
+          <a:gsLst>
+            <a:gs pos="0">
+              <a:schemeClr val="accent6">
+                <a:lumMod val="89000"/>
+              </a:schemeClr>
+            </a:gs>
+            <a:gs pos="23000">
+              <a:schemeClr val="accent6">
+                <a:lumMod val="89000"/>
+              </a:schemeClr>
+            </a:gs>
+            <a:gs pos="69000">
+              <a:schemeClr val="accent6">
+                <a:lumMod val="75000"/>
+              </a:schemeClr>
+            </a:gs>
+            <a:gs pos="97000">
+              <a:schemeClr val="accent6">
+                <a:lumMod val="70000"/>
+              </a:schemeClr>
+            </a:gs>
+          </a:gsLst>
+          <a:path path="circle">
+            <a:fillToRect l="50000" t="50000" r="50000" b="50000"/>
+          </a:path>
+          <a:tileRect/>
+        </a:gradFill>
+        <a:effectLst/>
+      </p:bgPr>
+    </p:bg>
+    <p:spTree>
+      <p:nvGrpSpPr>
+        <p:cNvPr id="1" name=""/>
+        <p:cNvGrpSpPr/>
+        <p:nvPr/>
+      </p:nvGrpSpPr>
+      <p:grpSpPr>
+        <a:xfrm>
+          <a:off x="0" y="0"/>
+          <a:ext cx="0" cy="0"/>
+          <a:chOff x="0" y="0"/>
+          <a:chExt cx="0" cy="0"/>
+        </a:xfrm>
+      </p:grpSpPr>
+      <p:sp>
+        <p:nvSpPr>
+          <p:cNvPr id="2" name="Título 1">
+            <a:extLst>
+              <a:ext uri="{FF2B5EF4-FFF2-40B4-BE49-F238E27FC236}">
+                <a16:creationId xmlns:a16="http://schemas.microsoft.com/office/drawing/2014/main" id="{C65A0631-47E2-4854-94DA-DD27A379FEF1}"/>
+              </a:ext>
+            </a:extLst>
+          </p:cNvPr>
+          <p:cNvSpPr>
+            <a:spLocks noGrp="1"/>
+          </p:cNvSpPr>
+          <p:nvPr>
+            <p:ph type="title"/>
+          </p:nvPr>
+        </p:nvSpPr>
+        <p:spPr>
+          <a:xfrm>
+            <a:off x="228600" y="309282"/>
+            <a:ext cx="8686800" cy="1582272"/>
+          </a:xfrm>
+        </p:spPr>
+        <p:txBody>
+          <a:bodyPr anchor="ctr">
+            <a:normAutofit fontScale="90000"/>
+          </a:bodyPr>
+          <a:lstStyle/>
+          <a:p>
+            <a:r>
+              <a:rPr lang="es-VE" sz="5400" b="1" dirty="0"/>
+              <a:t>4. LA OBRA DE CRISTO</a:t>
+            </a:r>
+            <a:br>
+              <a:rPr lang="es-VE" sz="5400" b="1" dirty="0"/>
+            </a:br>
+            <a:r>
+              <a:rPr lang="es-VE" b="1" dirty="0"/>
+              <a:t>3.3. La ascensión de Cristo</a:t>
+            </a:r>
+            <a:br>
+              <a:rPr lang="es-VE" b="1" dirty="0"/>
+            </a:br>
+            <a:r>
+              <a:rPr lang="es-VE" sz="2700" b="1" dirty="0"/>
+              <a:t>3.3.3. El Cristo soberano</a:t>
+            </a:r>
+            <a:endParaRPr lang="es-VE" sz="6600" b="1" dirty="0"/>
+          </a:p>
+        </p:txBody>
+      </p:sp>
+      <p:sp>
+        <p:nvSpPr>
+          <p:cNvPr id="3" name="Marcador de contenido 2">
+            <a:extLst>
+              <a:ext uri="{FF2B5EF4-FFF2-40B4-BE49-F238E27FC236}">
+                <a16:creationId xmlns:a16="http://schemas.microsoft.com/office/drawing/2014/main" id="{AA130F57-7D31-4139-81B2-4D70486C00F2}"/>
+              </a:ext>
+            </a:extLst>
+          </p:cNvPr>
+          <p:cNvSpPr>
+            <a:spLocks noGrp="1"/>
+          </p:cNvSpPr>
+          <p:nvPr>
+            <p:ph idx="1"/>
+          </p:nvPr>
+        </p:nvSpPr>
+        <p:spPr>
+          <a:xfrm>
+            <a:off x="228600" y="1891555"/>
+            <a:ext cx="8686800" cy="3290046"/>
+          </a:xfrm>
+        </p:spPr>
+        <p:txBody>
+          <a:bodyPr anchor="ctr">
+            <a:normAutofit/>
+          </a:bodyPr>
+          <a:lstStyle/>
+          <a:p>
+            <a:pPr marL="0" indent="0">
+              <a:buNone/>
+            </a:pPr>
+            <a:r>
+              <a:rPr lang="es-VE" sz="3600" dirty="0"/>
+              <a:t>Cristo esta sobre todas las criaturas. Es la “cabeza de todo varón” </a:t>
+            </a:r>
+            <a:r>
+              <a:rPr lang="es-VE" sz="3600" b="1" dirty="0">
+                <a:solidFill>
+                  <a:srgbClr val="FFC000"/>
+                </a:solidFill>
+              </a:rPr>
+              <a:t>[1]</a:t>
+            </a:r>
+            <a:r>
+              <a:rPr lang="es-VE" sz="3600" dirty="0"/>
+              <a:t>, “la cabeza de todo principado y potestad”</a:t>
+            </a:r>
+            <a:r>
+              <a:rPr lang="es-VE" sz="3600" b="1" dirty="0">
+                <a:solidFill>
+                  <a:srgbClr val="FFC000"/>
+                </a:solidFill>
+              </a:rPr>
+              <a:t> [2]</a:t>
+            </a:r>
+            <a:r>
+              <a:rPr lang="es-VE" sz="3600" dirty="0"/>
+              <a:t>; todas las autoridades del mundo invisible como así también del mundo de los hombres están bajo su dominio</a:t>
+            </a:r>
+            <a:r>
+              <a:rPr lang="es-VE" sz="3600" b="1" dirty="0">
+                <a:solidFill>
+                  <a:srgbClr val="FFC000"/>
+                </a:solidFill>
+              </a:rPr>
+              <a:t> [3]</a:t>
+            </a:r>
+            <a:r>
+              <a:rPr lang="es-VE" sz="3600" dirty="0"/>
+              <a:t>.</a:t>
+            </a:r>
+          </a:p>
+        </p:txBody>
+      </p:sp>
+      <p:sp>
+        <p:nvSpPr>
+          <p:cNvPr id="4" name="Marcador de contenido 2">
+            <a:extLst>
+              <a:ext uri="{FF2B5EF4-FFF2-40B4-BE49-F238E27FC236}">
+                <a16:creationId xmlns:a16="http://schemas.microsoft.com/office/drawing/2014/main" id="{CC29FFAA-B129-406C-A256-2F77D2575860}"/>
+              </a:ext>
+            </a:extLst>
+          </p:cNvPr>
+          <p:cNvSpPr txBox="1">
+            <a:spLocks/>
+          </p:cNvSpPr>
+          <p:nvPr/>
+        </p:nvSpPr>
+        <p:spPr>
+          <a:xfrm>
+            <a:off x="228600" y="5181601"/>
+            <a:ext cx="8686800" cy="486210"/>
+          </a:xfrm>
+          <a:prstGeom prst="rect">
+            <a:avLst/>
+          </a:prstGeom>
+        </p:spPr>
+        <p:txBody>
+          <a:bodyPr vert="horz" lIns="91440" tIns="45720" rIns="91440" bIns="45720" rtlCol="0" anchor="ctr">
+            <a:noAutofit/>
+          </a:bodyPr>
+          <a:lstStyle>
+            <a:lvl1pPr marL="171446" indent="-171446" algn="l" defTabSz="685783" rtl="0" eaLnBrk="1" latinLnBrk="0" hangingPunct="1">
+              <a:lnSpc>
+                <a:spcPct val="90000"/>
+              </a:lnSpc>
+              <a:spcBef>
+                <a:spcPts val="751"/>
+              </a:spcBef>
+              <a:buFont typeface="Arial" panose="020B0604020202020204" pitchFamily="34" charset="0"/>
+              <a:buChar char="•"/>
+              <a:defRPr sz="2100" kern="1200">
+                <a:solidFill>
+                  <a:schemeClr val="tx1"/>
+                </a:solidFill>
+                <a:latin typeface="+mn-lt"/>
+                <a:ea typeface="+mn-ea"/>
+                <a:cs typeface="+mn-cs"/>
+              </a:defRPr>
+            </a:lvl1pPr>
+            <a:lvl2pPr marL="514338" indent="-171446" algn="l" defTabSz="685783" rtl="0" eaLnBrk="1" latinLnBrk="0" hangingPunct="1">
+              <a:lnSpc>
+                <a:spcPct val="90000"/>
+              </a:lnSpc>
+              <a:spcBef>
+                <a:spcPts val="375"/>
+              </a:spcBef>
+              <a:buFont typeface="Arial" panose="020B0604020202020204" pitchFamily="34" charset="0"/>
+              <a:buChar char="•"/>
+              <a:defRPr sz="1800" kern="1200">
+                <a:solidFill>
+                  <a:schemeClr val="tx1"/>
+                </a:solidFill>
+                <a:latin typeface="+mn-lt"/>
+                <a:ea typeface="+mn-ea"/>
+                <a:cs typeface="+mn-cs"/>
+              </a:defRPr>
+            </a:lvl2pPr>
+            <a:lvl3pPr marL="857229" indent="-171446" algn="l" defTabSz="685783" rtl="0" eaLnBrk="1" latinLnBrk="0" hangingPunct="1">
+              <a:lnSpc>
+                <a:spcPct val="90000"/>
+              </a:lnSpc>
+              <a:spcBef>
+                <a:spcPts val="375"/>
+              </a:spcBef>
+              <a:buFont typeface="Arial" panose="020B0604020202020204" pitchFamily="34" charset="0"/>
+              <a:buChar char="•"/>
+              <a:defRPr sz="1500" kern="1200">
+                <a:solidFill>
+                  <a:schemeClr val="tx1"/>
+                </a:solidFill>
+                <a:latin typeface="+mn-lt"/>
+                <a:ea typeface="+mn-ea"/>
+                <a:cs typeface="+mn-cs"/>
+              </a:defRPr>
+            </a:lvl3pPr>
+            <a:lvl4pPr marL="1200121" indent="-171446" algn="l" defTabSz="685783" rtl="0" eaLnBrk="1" latinLnBrk="0" hangingPunct="1">
+              <a:lnSpc>
+                <a:spcPct val="90000"/>
+              </a:lnSpc>
+              <a:spcBef>
+                <a:spcPts val="375"/>
+              </a:spcBef>
+              <a:buFont typeface="Arial" panose="020B0604020202020204" pitchFamily="34" charset="0"/>
+              <a:buChar char="•"/>
+              <a:defRPr sz="1351" kern="1200">
+                <a:solidFill>
+                  <a:schemeClr val="tx1"/>
+                </a:solidFill>
+                <a:latin typeface="+mn-lt"/>
+                <a:ea typeface="+mn-ea"/>
+                <a:cs typeface="+mn-cs"/>
+              </a:defRPr>
+            </a:lvl4pPr>
+            <a:lvl5pPr marL="1543012" indent="-171446" algn="l" defTabSz="685783" rtl="0" eaLnBrk="1" latinLnBrk="0" hangingPunct="1">
+              <a:lnSpc>
+                <a:spcPct val="90000"/>
+              </a:lnSpc>
+              <a:spcBef>
+                <a:spcPts val="375"/>
+              </a:spcBef>
+              <a:buFont typeface="Arial" panose="020B0604020202020204" pitchFamily="34" charset="0"/>
+              <a:buChar char="•"/>
+              <a:defRPr sz="1351" kern="1200">
+                <a:solidFill>
+                  <a:schemeClr val="tx1"/>
+                </a:solidFill>
+                <a:latin typeface="+mn-lt"/>
+                <a:ea typeface="+mn-ea"/>
+                <a:cs typeface="+mn-cs"/>
+              </a:defRPr>
+            </a:lvl5pPr>
+            <a:lvl6pPr marL="1885904" indent="-171446" algn="l" defTabSz="685783" rtl="0" eaLnBrk="1" latinLnBrk="0" hangingPunct="1">
+              <a:lnSpc>
+                <a:spcPct val="90000"/>
+              </a:lnSpc>
+              <a:spcBef>
+                <a:spcPts val="375"/>
+              </a:spcBef>
+              <a:buFont typeface="Arial" panose="020B0604020202020204" pitchFamily="34" charset="0"/>
+              <a:buChar char="•"/>
+              <a:defRPr sz="1351" kern="1200">
+                <a:solidFill>
+                  <a:schemeClr val="tx1"/>
+                </a:solidFill>
+                <a:latin typeface="+mn-lt"/>
+                <a:ea typeface="+mn-ea"/>
+                <a:cs typeface="+mn-cs"/>
+              </a:defRPr>
+            </a:lvl6pPr>
+            <a:lvl7pPr marL="2228795" indent="-171446" algn="l" defTabSz="685783" rtl="0" eaLnBrk="1" latinLnBrk="0" hangingPunct="1">
+              <a:lnSpc>
+                <a:spcPct val="90000"/>
+              </a:lnSpc>
+              <a:spcBef>
+                <a:spcPts val="375"/>
+              </a:spcBef>
+              <a:buFont typeface="Arial" panose="020B0604020202020204" pitchFamily="34" charset="0"/>
+              <a:buChar char="•"/>
+              <a:defRPr sz="1351" kern="1200">
+                <a:solidFill>
+                  <a:schemeClr val="tx1"/>
+                </a:solidFill>
+                <a:latin typeface="+mn-lt"/>
+                <a:ea typeface="+mn-ea"/>
+                <a:cs typeface="+mn-cs"/>
+              </a:defRPr>
+            </a:lvl7pPr>
+            <a:lvl8pPr marL="2571686" indent="-171446" algn="l" defTabSz="685783" rtl="0" eaLnBrk="1" latinLnBrk="0" hangingPunct="1">
+              <a:lnSpc>
+                <a:spcPct val="90000"/>
+              </a:lnSpc>
+              <a:spcBef>
+                <a:spcPts val="375"/>
+              </a:spcBef>
+              <a:buFont typeface="Arial" panose="020B0604020202020204" pitchFamily="34" charset="0"/>
+              <a:buChar char="•"/>
+              <a:defRPr sz="1351" kern="1200">
+                <a:solidFill>
+                  <a:schemeClr val="tx1"/>
+                </a:solidFill>
+                <a:latin typeface="+mn-lt"/>
+                <a:ea typeface="+mn-ea"/>
+                <a:cs typeface="+mn-cs"/>
+              </a:defRPr>
+            </a:lvl8pPr>
+            <a:lvl9pPr marL="2914578" indent="-171446" algn="l" defTabSz="685783" rtl="0" eaLnBrk="1" latinLnBrk="0" hangingPunct="1">
+              <a:lnSpc>
+                <a:spcPct val="90000"/>
+              </a:lnSpc>
+              <a:spcBef>
+                <a:spcPts val="375"/>
+              </a:spcBef>
+              <a:buFont typeface="Arial" panose="020B0604020202020204" pitchFamily="34" charset="0"/>
+              <a:buChar char="•"/>
+              <a:defRPr sz="1351" kern="1200">
+                <a:solidFill>
+                  <a:schemeClr val="tx1"/>
+                </a:solidFill>
+                <a:latin typeface="+mn-lt"/>
+                <a:ea typeface="+mn-ea"/>
+                <a:cs typeface="+mn-cs"/>
+              </a:defRPr>
+            </a:lvl9pPr>
+          </a:lstStyle>
+          <a:p>
+            <a:pPr marL="0" indent="0" algn="r">
+              <a:buNone/>
+            </a:pPr>
+            <a:r>
+              <a:rPr lang="es-VE" sz="1400" b="1" dirty="0">
+                <a:solidFill>
+                  <a:srgbClr val="FFC000"/>
+                </a:solidFill>
+              </a:rPr>
+              <a:t>[1] </a:t>
+            </a:r>
+            <a:r>
+              <a:rPr lang="es-VE" sz="1400" dirty="0"/>
+              <a:t>1Co 11:3</a:t>
+            </a:r>
+            <a:r>
+              <a:rPr lang="es-VE" sz="1400" b="1" dirty="0">
+                <a:solidFill>
+                  <a:srgbClr val="FFC000"/>
+                </a:solidFill>
+              </a:rPr>
+              <a:t> [2] </a:t>
+            </a:r>
+            <a:r>
+              <a:rPr lang="es-VE" sz="1400" dirty="0"/>
+              <a:t>Col 2:10</a:t>
+            </a:r>
+            <a:r>
+              <a:rPr lang="es-VE" sz="1400" b="1" dirty="0">
+                <a:solidFill>
+                  <a:srgbClr val="FFC000"/>
+                </a:solidFill>
+              </a:rPr>
+              <a:t> [3] </a:t>
+            </a:r>
+            <a:r>
+              <a:rPr lang="es-VE" sz="1400" dirty="0"/>
+              <a:t>1Pe 3:22; </a:t>
+            </a:r>
+            <a:r>
+              <a:rPr lang="es-VE" sz="1400" dirty="0" err="1"/>
+              <a:t>Rom</a:t>
+            </a:r>
+            <a:r>
+              <a:rPr lang="es-VE" sz="1400" dirty="0"/>
+              <a:t> 14:9; </a:t>
+            </a:r>
+            <a:r>
+              <a:rPr lang="es-VE" sz="1400" dirty="0" err="1"/>
+              <a:t>Flp</a:t>
+            </a:r>
+            <a:r>
+              <a:rPr lang="es-VE" sz="1400" dirty="0"/>
+              <a:t> 2:10, </a:t>
+            </a:r>
+            <a:r>
+              <a:rPr lang="es-VE" sz="1400" dirty="0" err="1"/>
+              <a:t>Flp</a:t>
+            </a:r>
+            <a:r>
+              <a:rPr lang="es-VE" sz="1400" dirty="0"/>
+              <a:t> 2:11</a:t>
+            </a:r>
+          </a:p>
+        </p:txBody>
+      </p:sp>
+    </p:spTree>
+    <p:extLst>
+      <p:ext uri="{BB962C8B-B14F-4D97-AF65-F5344CB8AC3E}">
+        <p14:creationId xmlns:p14="http://schemas.microsoft.com/office/powerpoint/2010/main" val="19541272"/>
+      </p:ext>
+    </p:extLst>
+  </p:cSld>
+  <p:clrMapOvr>
+    <a:masterClrMapping/>
+  </p:clrMapOvr>
+</p:sld>
+</file>
+
+<file path=ppt/slides/slide41.xml><?xml version="1.0" encoding="utf-8"?>
+<p:sld xmlns:a="http://schemas.openxmlformats.org/drawingml/2006/main" xmlns:r="http://schemas.openxmlformats.org/officeDocument/2006/relationships" xmlns:p="http://schemas.openxmlformats.org/presentationml/2006/main">
+  <p:cSld>
+    <p:bg>
+      <p:bgPr>
+        <a:gradFill>
+          <a:gsLst>
+            <a:gs pos="0">
+              <a:schemeClr val="accent6">
+                <a:lumMod val="89000"/>
+              </a:schemeClr>
+            </a:gs>
+            <a:gs pos="23000">
+              <a:schemeClr val="accent6">
+                <a:lumMod val="89000"/>
+              </a:schemeClr>
+            </a:gs>
+            <a:gs pos="69000">
+              <a:schemeClr val="accent6">
+                <a:lumMod val="75000"/>
+              </a:schemeClr>
+            </a:gs>
+            <a:gs pos="97000">
+              <a:schemeClr val="accent6">
+                <a:lumMod val="70000"/>
+              </a:schemeClr>
+            </a:gs>
+          </a:gsLst>
+          <a:path path="circle">
+            <a:fillToRect l="50000" t="50000" r="50000" b="50000"/>
+          </a:path>
+        </a:gradFill>
+        <a:effectLst/>
+      </p:bgPr>
+    </p:bg>
+    <p:spTree>
+      <p:nvGrpSpPr>
+        <p:cNvPr id="1" name=""/>
+        <p:cNvGrpSpPr/>
+        <p:nvPr/>
+      </p:nvGrpSpPr>
+      <p:grpSpPr>
+        <a:xfrm>
+          <a:off x="0" y="0"/>
+          <a:ext cx="0" cy="0"/>
+          <a:chOff x="0" y="0"/>
+          <a:chExt cx="0" cy="0"/>
+        </a:xfrm>
+      </p:grpSpPr>
+      <p:sp>
+        <p:nvSpPr>
+          <p:cNvPr id="2" name="Título 1">
+            <a:extLst>
+              <a:ext uri="{FF2B5EF4-FFF2-40B4-BE49-F238E27FC236}">
+                <a16:creationId xmlns:a16="http://schemas.microsoft.com/office/drawing/2014/main" id="{C65A0631-47E2-4854-94DA-DD27A379FEF1}"/>
+              </a:ext>
+            </a:extLst>
+          </p:cNvPr>
+          <p:cNvSpPr>
+            <a:spLocks noGrp="1"/>
+          </p:cNvSpPr>
+          <p:nvPr>
+            <p:ph type="title"/>
+          </p:nvPr>
+        </p:nvSpPr>
+        <p:spPr>
+          <a:xfrm>
+            <a:off x="228600" y="309282"/>
+            <a:ext cx="8686800" cy="1582272"/>
+          </a:xfrm>
+        </p:spPr>
+        <p:txBody>
+          <a:bodyPr anchor="ctr">
+            <a:normAutofit fontScale="90000"/>
+          </a:bodyPr>
+          <a:lstStyle/>
+          <a:p>
+            <a:r>
+              <a:rPr lang="es-VE" sz="5400" b="1" dirty="0"/>
+              <a:t>4. LA OBRA DE CRISTO</a:t>
+            </a:r>
+            <a:br>
+              <a:rPr lang="es-VE" sz="5400" b="1" dirty="0"/>
+            </a:br>
+            <a:r>
+              <a:rPr lang="es-VE" b="1" dirty="0"/>
+              <a:t>3.3. La ascensión de Cristo</a:t>
+            </a:r>
+            <a:br>
+              <a:rPr lang="es-VE" b="1" dirty="0"/>
+            </a:br>
+            <a:r>
+              <a:rPr lang="es-VE" sz="2700" b="1" dirty="0"/>
+              <a:t>3.3.4. El Cristo que preparó el camino</a:t>
+            </a:r>
+            <a:endParaRPr lang="es-VE" sz="6600" b="1" dirty="0"/>
+          </a:p>
+        </p:txBody>
+      </p:sp>
+      <p:sp>
+        <p:nvSpPr>
+          <p:cNvPr id="3" name="Marcador de contenido 2">
+            <a:extLst>
+              <a:ext uri="{FF2B5EF4-FFF2-40B4-BE49-F238E27FC236}">
+                <a16:creationId xmlns:a16="http://schemas.microsoft.com/office/drawing/2014/main" id="{AA130F57-7D31-4139-81B2-4D70486C00F2}"/>
+              </a:ext>
+            </a:extLst>
+          </p:cNvPr>
+          <p:cNvSpPr>
+            <a:spLocks noGrp="1"/>
+          </p:cNvSpPr>
+          <p:nvPr>
+            <p:ph idx="1"/>
+          </p:nvPr>
+        </p:nvSpPr>
+        <p:spPr>
+          <a:xfrm>
+            <a:off x="228600" y="1891555"/>
+            <a:ext cx="8686800" cy="3290046"/>
+          </a:xfrm>
+        </p:spPr>
+        <p:txBody>
+          <a:bodyPr anchor="ctr">
+            <a:normAutofit fontScale="47500" lnSpcReduction="20000"/>
+          </a:bodyPr>
+          <a:lstStyle/>
+          <a:p>
+            <a:pPr marL="0" indent="0">
+              <a:buNone/>
+            </a:pPr>
+            <a:r>
+              <a:rPr lang="es-VE" sz="3600" dirty="0"/>
+              <a:t>La separación entre Cristo y la iglesia terrena que comenzó con la ascensión, no es permanente. Ascendió en calidad de precursor para preparar el camino para ellos, a fin de que le siguieran. Su promesa fue la siguiente: “Donde yo estuviere, allí también estará mi servidor” (Jua_12:26). El término precursor se aplica primeramente a Juan el Bautista pues fue él quien preparó el camino para Cristo (Luc_1:76). Así como Juan preparó el camino para Cristo, así también el Cristo ascendido preparó el caminó para la iglesia.</a:t>
+            </a:r>
+          </a:p>
+          <a:p>
+            <a:pPr marL="0" indent="0">
+              <a:buNone/>
+            </a:pPr>
+            <a:endParaRPr lang="es-VE" sz="3600" dirty="0"/>
+          </a:p>
+          <a:p>
+            <a:pPr marL="0" indent="0">
+              <a:buNone/>
+            </a:pPr>
+            <a:r>
+              <a:rPr lang="es-VE" sz="3600" dirty="0"/>
+              <a:t>Aunque sacudidos por las olas de la prueba y la adversidad, los fieles no necesitan temer el naufragio, mientras mantengan firme su esperanza en las realidades celestiales. En sentido espiritual, la iglesia ha seguido ya al Cristo glorificado. En efecto, Dios hizo sentar a los creyentes “en los cielos con Cristo Jesús” (Efe_2:6). Por medio del Espíritu, los creyentes ascienden con el corazón y la mente hasta el Cristo resucitado; pero se producirá una ascensión literal correspondiente a la de Cristo (1Ts_4:17; 1Co_15:52). Esta esperanza de los creyentes no es engaño, pues están conscientes del poder o fuerza de atracción del Cristo glorificado (1Pe_1:8). Con esta esperanza, el Señor Jesucristo consoló a sus discípulos antes de su partida (Jua_14:1-3). “Por tanto, alentaos los unos a los otros con estas palabras” (1Ts_4:18).</a:t>
+            </a:r>
+          </a:p>
+        </p:txBody>
+      </p:sp>
+      <p:sp>
+        <p:nvSpPr>
+          <p:cNvPr id="4" name="Marcador de contenido 2">
+            <a:extLst>
+              <a:ext uri="{FF2B5EF4-FFF2-40B4-BE49-F238E27FC236}">
+                <a16:creationId xmlns:a16="http://schemas.microsoft.com/office/drawing/2014/main" id="{CC29FFAA-B129-406C-A256-2F77D2575860}"/>
+              </a:ext>
+            </a:extLst>
+          </p:cNvPr>
+          <p:cNvSpPr txBox="1">
+            <a:spLocks/>
+          </p:cNvSpPr>
+          <p:nvPr/>
+        </p:nvSpPr>
+        <p:spPr>
+          <a:xfrm>
+            <a:off x="228600" y="5181601"/>
+            <a:ext cx="8686800" cy="486210"/>
+          </a:xfrm>
+          <a:prstGeom prst="rect">
+            <a:avLst/>
+          </a:prstGeom>
+        </p:spPr>
+        <p:txBody>
+          <a:bodyPr vert="horz" lIns="91440" tIns="45720" rIns="91440" bIns="45720" rtlCol="0" anchor="ctr">
+            <a:noAutofit/>
+          </a:bodyPr>
+          <a:lstStyle>
+            <a:lvl1pPr marL="171446" indent="-171446" algn="l" defTabSz="685783" rtl="0" eaLnBrk="1" latinLnBrk="0" hangingPunct="1">
+              <a:lnSpc>
+                <a:spcPct val="90000"/>
+              </a:lnSpc>
+              <a:spcBef>
+                <a:spcPts val="751"/>
+              </a:spcBef>
+              <a:buFont typeface="Arial" panose="020B0604020202020204" pitchFamily="34" charset="0"/>
+              <a:buChar char="•"/>
+              <a:defRPr sz="2100" kern="1200">
+                <a:solidFill>
+                  <a:schemeClr val="tx1"/>
+                </a:solidFill>
+                <a:latin typeface="+mn-lt"/>
+                <a:ea typeface="+mn-ea"/>
+                <a:cs typeface="+mn-cs"/>
+              </a:defRPr>
+            </a:lvl1pPr>
+            <a:lvl2pPr marL="514338" indent="-171446" algn="l" defTabSz="685783" rtl="0" eaLnBrk="1" latinLnBrk="0" hangingPunct="1">
+              <a:lnSpc>
+                <a:spcPct val="90000"/>
+              </a:lnSpc>
+              <a:spcBef>
+                <a:spcPts val="375"/>
+              </a:spcBef>
+              <a:buFont typeface="Arial" panose="020B0604020202020204" pitchFamily="34" charset="0"/>
+              <a:buChar char="•"/>
+              <a:defRPr sz="1800" kern="1200">
+                <a:solidFill>
+                  <a:schemeClr val="tx1"/>
+                </a:solidFill>
+                <a:latin typeface="+mn-lt"/>
+                <a:ea typeface="+mn-ea"/>
+                <a:cs typeface="+mn-cs"/>
+              </a:defRPr>
+            </a:lvl2pPr>
+            <a:lvl3pPr marL="857229" indent="-171446" algn="l" defTabSz="685783" rtl="0" eaLnBrk="1" latinLnBrk="0" hangingPunct="1">
+              <a:lnSpc>
+                <a:spcPct val="90000"/>
+              </a:lnSpc>
+              <a:spcBef>
+                <a:spcPts val="375"/>
+              </a:spcBef>
+              <a:buFont typeface="Arial" panose="020B0604020202020204" pitchFamily="34" charset="0"/>
+              <a:buChar char="•"/>
+              <a:defRPr sz="1500" kern="1200">
+                <a:solidFill>
+                  <a:schemeClr val="tx1"/>
+                </a:solidFill>
+                <a:latin typeface="+mn-lt"/>
+                <a:ea typeface="+mn-ea"/>
+                <a:cs typeface="+mn-cs"/>
+              </a:defRPr>
+            </a:lvl3pPr>
+            <a:lvl4pPr marL="1200121" indent="-171446" algn="l" defTabSz="685783" rtl="0" eaLnBrk="1" latinLnBrk="0" hangingPunct="1">
+              <a:lnSpc>
+                <a:spcPct val="90000"/>
+              </a:lnSpc>
+              <a:spcBef>
+                <a:spcPts val="375"/>
+              </a:spcBef>
+              <a:buFont typeface="Arial" panose="020B0604020202020204" pitchFamily="34" charset="0"/>
+              <a:buChar char="•"/>
+              <a:defRPr sz="1351" kern="1200">
+                <a:solidFill>
+                  <a:schemeClr val="tx1"/>
+                </a:solidFill>
+                <a:latin typeface="+mn-lt"/>
+                <a:ea typeface="+mn-ea"/>
+                <a:cs typeface="+mn-cs"/>
+              </a:defRPr>
+            </a:lvl4pPr>
+            <a:lvl5pPr marL="1543012" indent="-171446" algn="l" defTabSz="685783" rtl="0" eaLnBrk="1" latinLnBrk="0" hangingPunct="1">
+              <a:lnSpc>
+                <a:spcPct val="90000"/>
+              </a:lnSpc>
+              <a:spcBef>
+                <a:spcPts val="375"/>
+              </a:spcBef>
+              <a:buFont typeface="Arial" panose="020B0604020202020204" pitchFamily="34" charset="0"/>
+              <a:buChar char="•"/>
+              <a:defRPr sz="1351" kern="1200">
+                <a:solidFill>
+                  <a:schemeClr val="tx1"/>
+                </a:solidFill>
+                <a:latin typeface="+mn-lt"/>
+                <a:ea typeface="+mn-ea"/>
+                <a:cs typeface="+mn-cs"/>
+              </a:defRPr>
+            </a:lvl5pPr>
+            <a:lvl6pPr marL="1885904" indent="-171446" algn="l" defTabSz="685783" rtl="0" eaLnBrk="1" latinLnBrk="0" hangingPunct="1">
+              <a:lnSpc>
+                <a:spcPct val="90000"/>
+              </a:lnSpc>
+              <a:spcBef>
+                <a:spcPts val="375"/>
+              </a:spcBef>
+              <a:buFont typeface="Arial" panose="020B0604020202020204" pitchFamily="34" charset="0"/>
+              <a:buChar char="•"/>
+              <a:defRPr sz="1351" kern="1200">
+                <a:solidFill>
+                  <a:schemeClr val="tx1"/>
+                </a:solidFill>
+                <a:latin typeface="+mn-lt"/>
+                <a:ea typeface="+mn-ea"/>
+                <a:cs typeface="+mn-cs"/>
+              </a:defRPr>
+            </a:lvl6pPr>
+            <a:lvl7pPr marL="2228795" indent="-171446" algn="l" defTabSz="685783" rtl="0" eaLnBrk="1" latinLnBrk="0" hangingPunct="1">
+              <a:lnSpc>
+                <a:spcPct val="90000"/>
+              </a:lnSpc>
+              <a:spcBef>
+                <a:spcPts val="375"/>
+              </a:spcBef>
+              <a:buFont typeface="Arial" panose="020B0604020202020204" pitchFamily="34" charset="0"/>
+              <a:buChar char="•"/>
+              <a:defRPr sz="1351" kern="1200">
+                <a:solidFill>
+                  <a:schemeClr val="tx1"/>
+                </a:solidFill>
+                <a:latin typeface="+mn-lt"/>
+                <a:ea typeface="+mn-ea"/>
+                <a:cs typeface="+mn-cs"/>
+              </a:defRPr>
+            </a:lvl7pPr>
+            <a:lvl8pPr marL="2571686" indent="-171446" algn="l" defTabSz="685783" rtl="0" eaLnBrk="1" latinLnBrk="0" hangingPunct="1">
+              <a:lnSpc>
+                <a:spcPct val="90000"/>
+              </a:lnSpc>
+              <a:spcBef>
+                <a:spcPts val="375"/>
+              </a:spcBef>
+              <a:buFont typeface="Arial" panose="020B0604020202020204" pitchFamily="34" charset="0"/>
+              <a:buChar char="•"/>
+              <a:defRPr sz="1351" kern="1200">
+                <a:solidFill>
+                  <a:schemeClr val="tx1"/>
+                </a:solidFill>
+                <a:latin typeface="+mn-lt"/>
+                <a:ea typeface="+mn-ea"/>
+                <a:cs typeface="+mn-cs"/>
+              </a:defRPr>
+            </a:lvl8pPr>
+            <a:lvl9pPr marL="2914578" indent="-171446" algn="l" defTabSz="685783" rtl="0" eaLnBrk="1" latinLnBrk="0" hangingPunct="1">
+              <a:lnSpc>
+                <a:spcPct val="90000"/>
+              </a:lnSpc>
+              <a:spcBef>
+                <a:spcPts val="375"/>
+              </a:spcBef>
+              <a:buFont typeface="Arial" panose="020B0604020202020204" pitchFamily="34" charset="0"/>
+              <a:buChar char="•"/>
+              <a:defRPr sz="1351" kern="1200">
+                <a:solidFill>
+                  <a:schemeClr val="tx1"/>
+                </a:solidFill>
+                <a:latin typeface="+mn-lt"/>
+                <a:ea typeface="+mn-ea"/>
+                <a:cs typeface="+mn-cs"/>
+              </a:defRPr>
+            </a:lvl9pPr>
+          </a:lstStyle>
+          <a:p>
+            <a:pPr marL="0" indent="0" algn="r">
+              <a:buNone/>
+            </a:pPr>
+            <a:r>
+              <a:rPr lang="es-VE" sz="1400" b="1" dirty="0">
+                <a:solidFill>
+                  <a:srgbClr val="FFC000"/>
+                </a:solidFill>
+              </a:rPr>
+              <a:t>[1]</a:t>
+            </a:r>
+            <a:endParaRPr lang="es-VE" sz="1400" dirty="0"/>
+          </a:p>
+        </p:txBody>
+      </p:sp>
+    </p:spTree>
+    <p:extLst>
+      <p:ext uri="{BB962C8B-B14F-4D97-AF65-F5344CB8AC3E}">
+        <p14:creationId xmlns:p14="http://schemas.microsoft.com/office/powerpoint/2010/main" val="3608556169"/>
+      </p:ext>
+    </p:extLst>
+  </p:cSld>
+  <p:clrMapOvr>
+    <a:masterClrMapping/>
+  </p:clrMapOvr>
+</p:sld>
+</file>
+
+<file path=ppt/slides/slide42.xml><?xml version="1.0" encoding="utf-8"?>
+<p:sld xmlns:a="http://schemas.openxmlformats.org/drawingml/2006/main" xmlns:r="http://schemas.openxmlformats.org/officeDocument/2006/relationships" xmlns:p="http://schemas.openxmlformats.org/presentationml/2006/main">
+  <p:cSld>
+    <p:bg>
+      <p:bgPr>
+        <a:gradFill>
+          <a:gsLst>
+            <a:gs pos="0">
+              <a:schemeClr val="accent6">
+                <a:lumMod val="89000"/>
+              </a:schemeClr>
+            </a:gs>
+            <a:gs pos="23000">
+              <a:schemeClr val="accent6">
+                <a:lumMod val="89000"/>
+              </a:schemeClr>
+            </a:gs>
+            <a:gs pos="69000">
+              <a:schemeClr val="accent6">
+                <a:lumMod val="75000"/>
+              </a:schemeClr>
+            </a:gs>
+            <a:gs pos="97000">
+              <a:schemeClr val="accent6">
+                <a:lumMod val="70000"/>
+              </a:schemeClr>
+            </a:gs>
+          </a:gsLst>
+          <a:path path="circle">
+            <a:fillToRect l="50000" t="50000" r="50000" b="50000"/>
+          </a:path>
+        </a:gradFill>
+        <a:effectLst/>
+      </p:bgPr>
+    </p:bg>
+    <p:spTree>
+      <p:nvGrpSpPr>
+        <p:cNvPr id="1" name=""/>
+        <p:cNvGrpSpPr/>
+        <p:nvPr/>
+      </p:nvGrpSpPr>
+      <p:grpSpPr>
+        <a:xfrm>
+          <a:off x="0" y="0"/>
+          <a:ext cx="0" cy="0"/>
+          <a:chOff x="0" y="0"/>
+          <a:chExt cx="0" cy="0"/>
+        </a:xfrm>
+      </p:grpSpPr>
+      <p:sp>
+        <p:nvSpPr>
+          <p:cNvPr id="2" name="Título 1">
+            <a:extLst>
+              <a:ext uri="{FF2B5EF4-FFF2-40B4-BE49-F238E27FC236}">
+                <a16:creationId xmlns:a16="http://schemas.microsoft.com/office/drawing/2014/main" id="{C65A0631-47E2-4854-94DA-DD27A379FEF1}"/>
+              </a:ext>
+            </a:extLst>
+          </p:cNvPr>
+          <p:cNvSpPr>
+            <a:spLocks noGrp="1"/>
+          </p:cNvSpPr>
+          <p:nvPr>
+            <p:ph type="title"/>
+          </p:nvPr>
+        </p:nvSpPr>
+        <p:spPr>
+          <a:xfrm>
+            <a:off x="228600" y="309282"/>
+            <a:ext cx="8686800" cy="1582272"/>
+          </a:xfrm>
+        </p:spPr>
+        <p:txBody>
+          <a:bodyPr anchor="ctr">
+            <a:normAutofit fontScale="90000"/>
+          </a:bodyPr>
+          <a:lstStyle/>
+          <a:p>
+            <a:r>
+              <a:rPr lang="es-VE" sz="5400" b="1" dirty="0"/>
+              <a:t>4. LA OBRA DE CRISTO</a:t>
+            </a:r>
+            <a:br>
+              <a:rPr lang="es-VE" sz="5400" b="1" dirty="0"/>
+            </a:br>
+            <a:r>
+              <a:rPr lang="es-VE" b="1" dirty="0"/>
+              <a:t>3.3. La ascensión de Cristo</a:t>
+            </a:r>
+            <a:br>
+              <a:rPr lang="es-VE" b="1" dirty="0"/>
+            </a:br>
+            <a:r>
+              <a:rPr lang="es-VE" sz="2700" b="1" dirty="0"/>
+              <a:t>3.3.5. El Cristo que intercede</a:t>
+            </a:r>
+            <a:endParaRPr lang="es-VE" sz="6600" b="1" dirty="0"/>
+          </a:p>
+        </p:txBody>
+      </p:sp>
+      <p:sp>
+        <p:nvSpPr>
+          <p:cNvPr id="3" name="Marcador de contenido 2">
+            <a:extLst>
+              <a:ext uri="{FF2B5EF4-FFF2-40B4-BE49-F238E27FC236}">
+                <a16:creationId xmlns:a16="http://schemas.microsoft.com/office/drawing/2014/main" id="{AA130F57-7D31-4139-81B2-4D70486C00F2}"/>
+              </a:ext>
+            </a:extLst>
+          </p:cNvPr>
+          <p:cNvSpPr>
+            <a:spLocks noGrp="1"/>
+          </p:cNvSpPr>
+          <p:nvPr>
+            <p:ph idx="1"/>
+          </p:nvPr>
+        </p:nvSpPr>
+        <p:spPr>
+          <a:xfrm>
+            <a:off x="228600" y="1891555"/>
+            <a:ext cx="8686800" cy="3290046"/>
+          </a:xfrm>
+        </p:spPr>
+        <p:txBody>
+          <a:bodyPr anchor="ctr">
+            <a:normAutofit/>
+          </a:bodyPr>
+          <a:lstStyle/>
+          <a:p>
+            <a:pPr marL="0" indent="0">
+              <a:buNone/>
+            </a:pPr>
+            <a:r>
+              <a:rPr lang="es-VE" sz="1800" dirty="0"/>
+              <a:t>En virtud de haber asumido nuestra naturaleza, y muerto por nuestros pecados, Jesús es el Mediador entre Dios y el hombre (1Ti_2:5). Pero el Mediador es también un Intercesor, y la intercesión va un paso más allá de la mediación. Un mediador quizá ponga en contacto a dos personas o partes, dejándolas luego solas para que solucionen sus dificultades.</a:t>
+            </a:r>
+          </a:p>
+          <a:p>
+            <a:pPr marL="0" indent="0">
+              <a:buNone/>
+            </a:pPr>
+            <a:endParaRPr lang="es-VE" sz="1800" dirty="0"/>
+          </a:p>
+          <a:p>
+            <a:pPr marL="0" indent="0">
+              <a:buNone/>
+            </a:pPr>
+            <a:r>
+              <a:rPr lang="es-VE" sz="1800" dirty="0"/>
+              <a:t>Pero un intercesor hace algo más, ya que expresa una palabra en favor de la persona a quien representa, o por quien se toma interés. La intercesión es un ministerio importante del Cristo ascendido (Rom_8:34). Forma el punto culminante de sus actividades salvadoras. Murió por nosotros; resucitó por nosotros; ascendió por nosotros, y hace intercesión por nosotros (Rom_8:34). Nuestra esperanza no reside en el Cristo muerto, sino en uno que vive; y no simplemente en uno que vive, sino en uno que vive y reina con Dios. El sacerdocio de Cristo es eterno, por lo tanto su intercesión es permanente.</a:t>
+            </a:r>
+          </a:p>
+        </p:txBody>
+      </p:sp>
+      <p:sp>
+        <p:nvSpPr>
+          <p:cNvPr id="4" name="Marcador de contenido 2">
+            <a:extLst>
+              <a:ext uri="{FF2B5EF4-FFF2-40B4-BE49-F238E27FC236}">
+                <a16:creationId xmlns:a16="http://schemas.microsoft.com/office/drawing/2014/main" id="{CC29FFAA-B129-406C-A256-2F77D2575860}"/>
+              </a:ext>
+            </a:extLst>
+          </p:cNvPr>
+          <p:cNvSpPr txBox="1">
+            <a:spLocks/>
+          </p:cNvSpPr>
+          <p:nvPr/>
+        </p:nvSpPr>
+        <p:spPr>
+          <a:xfrm>
+            <a:off x="228600" y="5181601"/>
+            <a:ext cx="8686800" cy="486210"/>
+          </a:xfrm>
+          <a:prstGeom prst="rect">
+            <a:avLst/>
+          </a:prstGeom>
+        </p:spPr>
+        <p:txBody>
+          <a:bodyPr vert="horz" lIns="91440" tIns="45720" rIns="91440" bIns="45720" rtlCol="0" anchor="ctr">
+            <a:noAutofit/>
+          </a:bodyPr>
+          <a:lstStyle>
+            <a:lvl1pPr marL="171446" indent="-171446" algn="l" defTabSz="685783" rtl="0" eaLnBrk="1" latinLnBrk="0" hangingPunct="1">
+              <a:lnSpc>
+                <a:spcPct val="90000"/>
+              </a:lnSpc>
+              <a:spcBef>
+                <a:spcPts val="751"/>
+              </a:spcBef>
+              <a:buFont typeface="Arial" panose="020B0604020202020204" pitchFamily="34" charset="0"/>
+              <a:buChar char="•"/>
+              <a:defRPr sz="2100" kern="1200">
+                <a:solidFill>
+                  <a:schemeClr val="tx1"/>
+                </a:solidFill>
+                <a:latin typeface="+mn-lt"/>
+                <a:ea typeface="+mn-ea"/>
+                <a:cs typeface="+mn-cs"/>
+              </a:defRPr>
+            </a:lvl1pPr>
+            <a:lvl2pPr marL="514338" indent="-171446" algn="l" defTabSz="685783" rtl="0" eaLnBrk="1" latinLnBrk="0" hangingPunct="1">
+              <a:lnSpc>
+                <a:spcPct val="90000"/>
+              </a:lnSpc>
+              <a:spcBef>
+                <a:spcPts val="375"/>
+              </a:spcBef>
+              <a:buFont typeface="Arial" panose="020B0604020202020204" pitchFamily="34" charset="0"/>
+              <a:buChar char="•"/>
+              <a:defRPr sz="1800" kern="1200">
+                <a:solidFill>
+                  <a:schemeClr val="tx1"/>
+                </a:solidFill>
+                <a:latin typeface="+mn-lt"/>
+                <a:ea typeface="+mn-ea"/>
+                <a:cs typeface="+mn-cs"/>
+              </a:defRPr>
+            </a:lvl2pPr>
+            <a:lvl3pPr marL="857229" indent="-171446" algn="l" defTabSz="685783" rtl="0" eaLnBrk="1" latinLnBrk="0" hangingPunct="1">
+              <a:lnSpc>
+                <a:spcPct val="90000"/>
+              </a:lnSpc>
+              <a:spcBef>
+                <a:spcPts val="375"/>
+              </a:spcBef>
+              <a:buFont typeface="Arial" panose="020B0604020202020204" pitchFamily="34" charset="0"/>
+              <a:buChar char="•"/>
+              <a:defRPr sz="1500" kern="1200">
+                <a:solidFill>
+                  <a:schemeClr val="tx1"/>
+                </a:solidFill>
+                <a:latin typeface="+mn-lt"/>
+                <a:ea typeface="+mn-ea"/>
+                <a:cs typeface="+mn-cs"/>
+              </a:defRPr>
+            </a:lvl3pPr>
+            <a:lvl4pPr marL="1200121" indent="-171446" algn="l" defTabSz="685783" rtl="0" eaLnBrk="1" latinLnBrk="0" hangingPunct="1">
+              <a:lnSpc>
+                <a:spcPct val="90000"/>
+              </a:lnSpc>
+              <a:spcBef>
+                <a:spcPts val="375"/>
+              </a:spcBef>
+              <a:buFont typeface="Arial" panose="020B0604020202020204" pitchFamily="34" charset="0"/>
+              <a:buChar char="•"/>
+              <a:defRPr sz="1351" kern="1200">
+                <a:solidFill>
+                  <a:schemeClr val="tx1"/>
+                </a:solidFill>
+                <a:latin typeface="+mn-lt"/>
+                <a:ea typeface="+mn-ea"/>
+                <a:cs typeface="+mn-cs"/>
+              </a:defRPr>
+            </a:lvl4pPr>
+            <a:lvl5pPr marL="1543012" indent="-171446" algn="l" defTabSz="685783" rtl="0" eaLnBrk="1" latinLnBrk="0" hangingPunct="1">
+              <a:lnSpc>
+                <a:spcPct val="90000"/>
+              </a:lnSpc>
+              <a:spcBef>
+                <a:spcPts val="375"/>
+              </a:spcBef>
+              <a:buFont typeface="Arial" panose="020B0604020202020204" pitchFamily="34" charset="0"/>
+              <a:buChar char="•"/>
+              <a:defRPr sz="1351" kern="1200">
+                <a:solidFill>
+                  <a:schemeClr val="tx1"/>
+                </a:solidFill>
+                <a:latin typeface="+mn-lt"/>
+                <a:ea typeface="+mn-ea"/>
+                <a:cs typeface="+mn-cs"/>
+              </a:defRPr>
+            </a:lvl5pPr>
+            <a:lvl6pPr marL="1885904" indent="-171446" algn="l" defTabSz="685783" rtl="0" eaLnBrk="1" latinLnBrk="0" hangingPunct="1">
+              <a:lnSpc>
+                <a:spcPct val="90000"/>
+              </a:lnSpc>
+              <a:spcBef>
+                <a:spcPts val="375"/>
+              </a:spcBef>
+              <a:buFont typeface="Arial" panose="020B0604020202020204" pitchFamily="34" charset="0"/>
+              <a:buChar char="•"/>
+              <a:defRPr sz="1351" kern="1200">
+                <a:solidFill>
+                  <a:schemeClr val="tx1"/>
+                </a:solidFill>
+                <a:latin typeface="+mn-lt"/>
+                <a:ea typeface="+mn-ea"/>
+                <a:cs typeface="+mn-cs"/>
+              </a:defRPr>
+            </a:lvl6pPr>
+            <a:lvl7pPr marL="2228795" indent="-171446" algn="l" defTabSz="685783" rtl="0" eaLnBrk="1" latinLnBrk="0" hangingPunct="1">
+              <a:lnSpc>
+                <a:spcPct val="90000"/>
+              </a:lnSpc>
+              <a:spcBef>
+                <a:spcPts val="375"/>
+              </a:spcBef>
+              <a:buFont typeface="Arial" panose="020B0604020202020204" pitchFamily="34" charset="0"/>
+              <a:buChar char="•"/>
+              <a:defRPr sz="1351" kern="1200">
+                <a:solidFill>
+                  <a:schemeClr val="tx1"/>
+                </a:solidFill>
+                <a:latin typeface="+mn-lt"/>
+                <a:ea typeface="+mn-ea"/>
+                <a:cs typeface="+mn-cs"/>
+              </a:defRPr>
+            </a:lvl7pPr>
+            <a:lvl8pPr marL="2571686" indent="-171446" algn="l" defTabSz="685783" rtl="0" eaLnBrk="1" latinLnBrk="0" hangingPunct="1">
+              <a:lnSpc>
+                <a:spcPct val="90000"/>
+              </a:lnSpc>
+              <a:spcBef>
+                <a:spcPts val="375"/>
+              </a:spcBef>
+              <a:buFont typeface="Arial" panose="020B0604020202020204" pitchFamily="34" charset="0"/>
+              <a:buChar char="•"/>
+              <a:defRPr sz="1351" kern="1200">
+                <a:solidFill>
+                  <a:schemeClr val="tx1"/>
+                </a:solidFill>
+                <a:latin typeface="+mn-lt"/>
+                <a:ea typeface="+mn-ea"/>
+                <a:cs typeface="+mn-cs"/>
+              </a:defRPr>
+            </a:lvl8pPr>
+            <a:lvl9pPr marL="2914578" indent="-171446" algn="l" defTabSz="685783" rtl="0" eaLnBrk="1" latinLnBrk="0" hangingPunct="1">
+              <a:lnSpc>
+                <a:spcPct val="90000"/>
+              </a:lnSpc>
+              <a:spcBef>
+                <a:spcPts val="375"/>
+              </a:spcBef>
+              <a:buFont typeface="Arial" panose="020B0604020202020204" pitchFamily="34" charset="0"/>
+              <a:buChar char="•"/>
+              <a:defRPr sz="1351" kern="1200">
+                <a:solidFill>
+                  <a:schemeClr val="tx1"/>
+                </a:solidFill>
+                <a:latin typeface="+mn-lt"/>
+                <a:ea typeface="+mn-ea"/>
+                <a:cs typeface="+mn-cs"/>
+              </a:defRPr>
+            </a:lvl9pPr>
+          </a:lstStyle>
+          <a:p>
+            <a:pPr marL="0" indent="0" algn="r">
+              <a:buNone/>
+            </a:pPr>
+            <a:r>
+              <a:rPr lang="es-VE" sz="1400" b="1" dirty="0">
+                <a:solidFill>
+                  <a:srgbClr val="FFC000"/>
+                </a:solidFill>
+              </a:rPr>
+              <a:t>[1]</a:t>
+            </a:r>
+            <a:endParaRPr lang="es-VE" sz="1400" dirty="0"/>
+          </a:p>
+        </p:txBody>
+      </p:sp>
+    </p:spTree>
+    <p:extLst>
+      <p:ext uri="{BB962C8B-B14F-4D97-AF65-F5344CB8AC3E}">
+        <p14:creationId xmlns:p14="http://schemas.microsoft.com/office/powerpoint/2010/main" val="3624722334"/>
       </p:ext>
     </p:extLst>
   </p:cSld>
